--- a/poster.pptx
+++ b/poster.pptx
@@ -3509,8 +3509,8 @@
         </p:nvSpPr>
         <p:spPr>
           <a:xfrm>
-            <a:off x="-1" y="-9933"/>
-            <a:ext cx="23284126" cy="2554545"/>
+            <a:off x="37270" y="-9933"/>
+            <a:ext cx="20947038" cy="2554545"/>
           </a:xfrm>
           <a:prstGeom prst="rect">
             <a:avLst/>
@@ -3524,12 +3524,8 @@
           <a:lstStyle/>
           <a:p>
             <a:r>
-              <a:rPr lang="en-US" sz="8000" b="1" dirty="0" err="1"/>
-              <a:t>HIKNet</a:t>
-            </a:r>
-            <a:r>
               <a:rPr lang="en-US" sz="8000" b="1" dirty="0"/>
-              <a:t>: A Neural Network for Detecting Head Impacts from Kinematic Data</a:t>
+              <a:t>HATRNet: Human Activity/Transition Recognition using Deep Neural Networks</a:t>
             </a:r>
           </a:p>
         </p:txBody>
@@ -3626,14 +3622,14 @@
           <a:effectLst/>
           <a:extLst>
             <a:ext uri="{909E8E84-426E-40dd-AFC4-6F175D3DCCD1}">
-              <a14:hiddenFill xmlns:a14="http://schemas.microsoft.com/office/drawing/2010/main" xmlns="">
+              <a14:hiddenFill xmlns="" xmlns:a14="http://schemas.microsoft.com/office/drawing/2010/main">
                 <a:solidFill>
                   <a:srgbClr val="FFFFFF"/>
                 </a:solidFill>
               </a14:hiddenFill>
             </a:ext>
             <a:ext uri="{91240B29-F687-4f45-9708-019B960494DF}">
-              <a14:hiddenLine xmlns:a14="http://schemas.microsoft.com/office/drawing/2010/main" xmlns="" w="25400" algn="ctr">
+              <a14:hiddenLine xmlns="" xmlns:a14="http://schemas.microsoft.com/office/drawing/2010/main" w="25400" algn="ctr">
                 <a:solidFill>
                   <a:srgbClr val="212120"/>
                 </a:solidFill>
@@ -3643,7 +3639,7 @@
               </a14:hiddenLine>
             </a:ext>
             <a:ext uri="{AF507438-7753-43e0-B8FC-AC1667EBCBE1}">
-              <a14:hiddenEffects xmlns:a14="http://schemas.microsoft.com/office/drawing/2010/main" xmlns="">
+              <a14:hiddenEffects xmlns="" xmlns:a14="http://schemas.microsoft.com/office/drawing/2010/main">
                 <a:effectLst>
                   <a:outerShdw dist="35921" dir="2700000" algn="ctr" rotWithShape="0">
                     <a:srgbClr val="F4EFDB"/>
@@ -4034,10 +4030,10 @@
       </p:sp>
       <p:pic>
         <p:nvPicPr>
-          <p:cNvPr id="23" name="Picture 22">
+          <p:cNvPr id="25" name="Picture 24">
             <a:extLst>
               <a:ext uri="{FF2B5EF4-FFF2-40B4-BE49-F238E27FC236}">
-                <a16:creationId xmlns:a16="http://schemas.microsoft.com/office/drawing/2014/main" id="{E8BCC34A-E47E-2348-B5DA-4AE33CC13D0F}"/>
+                <a16:creationId xmlns:a16="http://schemas.microsoft.com/office/drawing/2014/main" id="{E98F1328-0EA3-004F-A5D2-C3369A01B448}"/>
               </a:ext>
             </a:extLst>
           </p:cNvPr>
@@ -4054,37 +4050,7 @@
         </p:blipFill>
         <p:spPr>
           <a:xfrm>
-            <a:off x="23284125" y="36794"/>
-            <a:ext cx="5150765" cy="1404754"/>
-          </a:xfrm>
-          <a:prstGeom prst="rect">
-            <a:avLst/>
-          </a:prstGeom>
-        </p:spPr>
-      </p:pic>
-      <p:pic>
-        <p:nvPicPr>
-          <p:cNvPr id="25" name="Picture 24">
-            <a:extLst>
-              <a:ext uri="{FF2B5EF4-FFF2-40B4-BE49-F238E27FC236}">
-                <a16:creationId xmlns:a16="http://schemas.microsoft.com/office/drawing/2014/main" id="{E98F1328-0EA3-004F-A5D2-C3369A01B448}"/>
-              </a:ext>
-            </a:extLst>
-          </p:cNvPr>
-          <p:cNvPicPr>
-            <a:picLocks noChangeAspect="1"/>
-          </p:cNvPicPr>
-          <p:nvPr/>
-        </p:nvPicPr>
-        <p:blipFill>
-          <a:blip r:embed="rId6"/>
-          <a:stretch>
-            <a:fillRect/>
-          </a:stretch>
-        </p:blipFill>
-        <p:spPr>
-          <a:xfrm>
-            <a:off x="23200550" y="1149198"/>
+            <a:off x="24097987" y="945108"/>
             <a:ext cx="5353302" cy="1458665"/>
           </a:xfrm>
           <a:prstGeom prst="rect">
@@ -4122,47 +4088,10 @@
           <a:p>
             <a:r>
               <a:rPr lang="en-US" sz="4800" dirty="0"/>
-              <a:t>Michael Fanton</a:t>
-            </a:r>
-            <a:r>
-              <a:rPr lang="en-US" sz="4800" baseline="30000" dirty="0"/>
-              <a:t>1</a:t>
-            </a:r>
-            <a:r>
-              <a:rPr lang="en-US" sz="4800" dirty="0"/>
-              <a:t>, Nicholas Gaudio</a:t>
-            </a:r>
-            <a:r>
-              <a:rPr lang="en-US" sz="4800" baseline="30000" dirty="0"/>
-              <a:t>2</a:t>
-            </a:r>
-            <a:r>
-              <a:rPr lang="en-US" sz="4800" dirty="0"/>
-              <a:t>, Alissa Ling</a:t>
-            </a:r>
-            <a:r>
-              <a:rPr lang="en-US" sz="4800" baseline="30000" dirty="0"/>
-              <a:t>2</a:t>
-            </a:r>
-            <a:endParaRPr lang="en-US" sz="1000" dirty="0"/>
-          </a:p>
-          <a:p>
-            <a:r>
-              <a:rPr lang="en-US" sz="3200" dirty="0"/>
-              <a:t> </a:t>
-            </a:r>
-            <a:r>
-              <a:rPr lang="en-US" sz="3200" baseline="30000" dirty="0"/>
-              <a:t>1</a:t>
-            </a:r>
-            <a:r>
-              <a:rPr lang="en-US" sz="3200" dirty="0"/>
-              <a:t>Department of Mechanical Engineering, Stanford University, </a:t>
-            </a:r>
-            <a:r>
-              <a:rPr lang="en-US" sz="3200" baseline="30000" dirty="0"/>
-              <a:t>2</a:t>
-            </a:r>
+              <a:t>Nicholas Gaudio, Akash Levy, Jonas Messner</a:t>
+            </a:r>
+          </a:p>
+          <a:p>
             <a:r>
               <a:rPr lang="en-US" sz="3200" dirty="0"/>
               <a:t>Department of Electrical Engineering, Stanford University</a:t>
@@ -4179,7 +4108,7 @@
           <p:nvPr/>
         </p:nvPicPr>
         <p:blipFill>
-          <a:blip r:embed="rId7">
+          <a:blip r:embed="rId6">
             <a:extLst>
               <a:ext uri="{28A0092B-C50C-407E-A947-70E740481C1C}">
                 <a14:useLocalDpi xmlns:a14="http://schemas.microsoft.com/office/drawing/2010/main" val="0"/>
@@ -4746,7 +4675,7 @@
           <p:nvPr/>
         </p:nvPicPr>
         <p:blipFill>
-          <a:blip r:embed="rId8">
+          <a:blip r:embed="rId7">
             <a:extLst>
               <a:ext uri="{28A0092B-C50C-407E-A947-70E740481C1C}">
                 <a14:useLocalDpi xmlns:a14="http://schemas.microsoft.com/office/drawing/2010/main" val="0"/>
@@ -4769,7 +4698,7 @@
           <a:noFill/>
           <a:extLst>
             <a:ext uri="{909E8E84-426E-40dd-AFC4-6F175D3DCCD1}">
-              <a14:hiddenFill xmlns:a14="http://schemas.microsoft.com/office/drawing/2010/main" xmlns="">
+              <a14:hiddenFill xmlns="" xmlns:a14="http://schemas.microsoft.com/office/drawing/2010/main">
                 <a:solidFill>
                   <a:srgbClr val="FFFFFF"/>
                 </a:solidFill>
@@ -4787,7 +4716,7 @@
           <p:nvPr/>
         </p:nvPicPr>
         <p:blipFill>
-          <a:blip r:embed="rId9"/>
+          <a:blip r:embed="rId8"/>
           <a:stretch>
             <a:fillRect/>
           </a:stretch>
@@ -5042,7 +4971,7 @@
           <p:nvPr/>
         </p:nvPicPr>
         <p:blipFill>
-          <a:blip r:embed="rId10">
+          <a:blip r:embed="rId9">
             <a:extLst>
               <a:ext uri="{28A0092B-C50C-407E-A947-70E740481C1C}">
                 <a14:useLocalDpi xmlns:a14="http://schemas.microsoft.com/office/drawing/2010/main" val="0"/>
@@ -5056,7 +4985,7 @@
         </p:blipFill>
         <p:spPr bwMode="auto">
           <a:xfrm>
-            <a:off x="23445013" y="2564138"/>
+            <a:off x="24342450" y="2353980"/>
             <a:ext cx="4864375" cy="942603"/>
           </a:xfrm>
           <a:prstGeom prst="rect">
@@ -5065,7 +4994,7 @@
           <a:noFill/>
           <a:extLst>
             <a:ext uri="{909E8E84-426E-40dd-AFC4-6F175D3DCCD1}">
-              <a14:hiddenFill xmlns:a14="http://schemas.microsoft.com/office/drawing/2010/main" xmlns="">
+              <a14:hiddenFill xmlns="" xmlns:a14="http://schemas.microsoft.com/office/drawing/2010/main">
                 <a:solidFill>
                   <a:srgbClr val="FFFFFF"/>
                 </a:solidFill>
@@ -5083,7 +5012,7 @@
           <p:nvPr/>
         </p:nvPicPr>
         <p:blipFill rotWithShape="1">
-          <a:blip r:embed="rId11">
+          <a:blip r:embed="rId10">
             <a:extLst>
               <a:ext uri="{28A0092B-C50C-407E-A947-70E740481C1C}">
                 <a14:useLocalDpi xmlns:a14="http://schemas.microsoft.com/office/drawing/2010/main" val="0"/>
@@ -5112,7 +5041,7 @@
           <p:nvPr/>
         </p:nvPicPr>
         <p:blipFill>
-          <a:blip r:embed="rId12"/>
+          <a:blip r:embed="rId11"/>
           <a:stretch>
             <a:fillRect/>
           </a:stretch>
@@ -5136,7 +5065,7 @@
           <p:nvPr/>
         </p:nvPicPr>
         <p:blipFill>
-          <a:blip r:embed="rId13"/>
+          <a:blip r:embed="rId12"/>
           <a:stretch>
             <a:fillRect/>
           </a:stretch>

--- a/poster.pptx
+++ b/poster.pptx
@@ -208,7 +208,7 @@
           <a:p>
             <a:fld id="{2CD06590-05B3-D443-B0E0-BD27522271CC}" type="datetimeFigureOut">
               <a:rPr lang="en-US" smtClean="0"/>
-              <a:t>3/1/19</a:t>
+              <a:t>3/12/19</a:t>
             </a:fld>
             <a:endParaRPr lang="en-US"/>
           </a:p>
@@ -695,7 +695,7 @@
           <a:p>
             <a:fld id="{2C4BE8D5-BF98-1F4F-A43A-6FEDDCEE5F10}" type="datetimeFigureOut">
               <a:rPr lang="en-US" smtClean="0"/>
-              <a:t>3/1/19</a:t>
+              <a:t>3/12/19</a:t>
             </a:fld>
             <a:endParaRPr lang="en-US"/>
           </a:p>
@@ -865,7 +865,7 @@
           <a:p>
             <a:fld id="{2C4BE8D5-BF98-1F4F-A43A-6FEDDCEE5F10}" type="datetimeFigureOut">
               <a:rPr lang="en-US" smtClean="0"/>
-              <a:t>3/1/19</a:t>
+              <a:t>3/12/19</a:t>
             </a:fld>
             <a:endParaRPr lang="en-US"/>
           </a:p>
@@ -1045,7 +1045,7 @@
           <a:p>
             <a:fld id="{2C4BE8D5-BF98-1F4F-A43A-6FEDDCEE5F10}" type="datetimeFigureOut">
               <a:rPr lang="en-US" smtClean="0"/>
-              <a:t>3/1/19</a:t>
+              <a:t>3/12/19</a:t>
             </a:fld>
             <a:endParaRPr lang="en-US"/>
           </a:p>
@@ -1215,7 +1215,7 @@
           <a:p>
             <a:fld id="{2C4BE8D5-BF98-1F4F-A43A-6FEDDCEE5F10}" type="datetimeFigureOut">
               <a:rPr lang="en-US" smtClean="0"/>
-              <a:t>3/1/19</a:t>
+              <a:t>3/12/19</a:t>
             </a:fld>
             <a:endParaRPr lang="en-US"/>
           </a:p>
@@ -1459,7 +1459,7 @@
           <a:p>
             <a:fld id="{2C4BE8D5-BF98-1F4F-A43A-6FEDDCEE5F10}" type="datetimeFigureOut">
               <a:rPr lang="en-US" smtClean="0"/>
-              <a:t>3/1/19</a:t>
+              <a:t>3/12/19</a:t>
             </a:fld>
             <a:endParaRPr lang="en-US"/>
           </a:p>
@@ -1691,7 +1691,7 @@
           <a:p>
             <a:fld id="{2C4BE8D5-BF98-1F4F-A43A-6FEDDCEE5F10}" type="datetimeFigureOut">
               <a:rPr lang="en-US" smtClean="0"/>
-              <a:t>3/1/19</a:t>
+              <a:t>3/12/19</a:t>
             </a:fld>
             <a:endParaRPr lang="en-US"/>
           </a:p>
@@ -2058,7 +2058,7 @@
           <a:p>
             <a:fld id="{2C4BE8D5-BF98-1F4F-A43A-6FEDDCEE5F10}" type="datetimeFigureOut">
               <a:rPr lang="en-US" smtClean="0"/>
-              <a:t>3/1/19</a:t>
+              <a:t>3/12/19</a:t>
             </a:fld>
             <a:endParaRPr lang="en-US"/>
           </a:p>
@@ -2176,7 +2176,7 @@
           <a:p>
             <a:fld id="{2C4BE8D5-BF98-1F4F-A43A-6FEDDCEE5F10}" type="datetimeFigureOut">
               <a:rPr lang="en-US" smtClean="0"/>
-              <a:t>3/1/19</a:t>
+              <a:t>3/12/19</a:t>
             </a:fld>
             <a:endParaRPr lang="en-US"/>
           </a:p>
@@ -2271,7 +2271,7 @@
           <a:p>
             <a:fld id="{2C4BE8D5-BF98-1F4F-A43A-6FEDDCEE5F10}" type="datetimeFigureOut">
               <a:rPr lang="en-US" smtClean="0"/>
-              <a:t>3/1/19</a:t>
+              <a:t>3/12/19</a:t>
             </a:fld>
             <a:endParaRPr lang="en-US"/>
           </a:p>
@@ -2548,7 +2548,7 @@
           <a:p>
             <a:fld id="{2C4BE8D5-BF98-1F4F-A43A-6FEDDCEE5F10}" type="datetimeFigureOut">
               <a:rPr lang="en-US" smtClean="0"/>
-              <a:t>3/1/19</a:t>
+              <a:t>3/12/19</a:t>
             </a:fld>
             <a:endParaRPr lang="en-US"/>
           </a:p>
@@ -2805,7 +2805,7 @@
           <a:p>
             <a:fld id="{2C4BE8D5-BF98-1F4F-A43A-6FEDDCEE5F10}" type="datetimeFigureOut">
               <a:rPr lang="en-US" smtClean="0"/>
-              <a:t>3/1/19</a:t>
+              <a:t>3/12/19</a:t>
             </a:fld>
             <a:endParaRPr lang="en-US"/>
           </a:p>
@@ -3018,7 +3018,7 @@
           <a:p>
             <a:fld id="{2C4BE8D5-BF98-1F4F-A43A-6FEDDCEE5F10}" type="datetimeFigureOut">
               <a:rPr lang="en-US" smtClean="0"/>
-              <a:t>3/1/19</a:t>
+              <a:t>3/12/19</a:t>
             </a:fld>
             <a:endParaRPr lang="en-US"/>
           </a:p>
@@ -3423,30 +3423,6 @@
           <a:chExt cx="0" cy="0"/>
         </a:xfrm>
       </p:grpSpPr>
-      <p:pic>
-        <p:nvPicPr>
-          <p:cNvPr id="2" name="Picture 1"/>
-          <p:cNvPicPr>
-            <a:picLocks noChangeAspect="1"/>
-          </p:cNvPicPr>
-          <p:nvPr/>
-        </p:nvPicPr>
-        <p:blipFill>
-          <a:blip r:embed="rId3"/>
-          <a:stretch>
-            <a:fillRect/>
-          </a:stretch>
-        </p:blipFill>
-        <p:spPr>
-          <a:xfrm>
-            <a:off x="20462914" y="11143774"/>
-            <a:ext cx="5369937" cy="6853736"/>
-          </a:xfrm>
-          <a:prstGeom prst="rect">
-            <a:avLst/>
-          </a:prstGeom>
-        </p:spPr>
-      </p:pic>
       <p:sp>
         <p:nvSpPr>
           <p:cNvPr id="4" name="Rectangle 3"/>
@@ -3595,7 +3571,7 @@
           <p:nvPr/>
         </p:nvPicPr>
         <p:blipFill>
-          <a:blip r:embed="rId4">
+          <a:blip r:embed="rId3">
             <a:extLst>
               <a:ext uri="{28A0092B-C50C-407E-A947-70E740481C1C}">
                 <a14:useLocalDpi xmlns:a14="http://schemas.microsoft.com/office/drawing/2010/main" val="0"/>
@@ -3622,14 +3598,14 @@
           <a:effectLst/>
           <a:extLst>
             <a:ext uri="{909E8E84-426E-40dd-AFC4-6F175D3DCCD1}">
-              <a14:hiddenFill xmlns="" xmlns:a14="http://schemas.microsoft.com/office/drawing/2010/main">
+              <a14:hiddenFill xmlns:a14="http://schemas.microsoft.com/office/drawing/2010/main" xmlns="">
                 <a:solidFill>
                   <a:srgbClr val="FFFFFF"/>
                 </a:solidFill>
               </a14:hiddenFill>
             </a:ext>
             <a:ext uri="{91240B29-F687-4f45-9708-019B960494DF}">
-              <a14:hiddenLine xmlns="" xmlns:a14="http://schemas.microsoft.com/office/drawing/2010/main" w="25400" algn="ctr">
+              <a14:hiddenLine xmlns:a14="http://schemas.microsoft.com/office/drawing/2010/main" xmlns="" w="25400" algn="ctr">
                 <a:solidFill>
                   <a:srgbClr val="212120"/>
                 </a:solidFill>
@@ -3639,7 +3615,7 @@
               </a14:hiddenLine>
             </a:ext>
             <a:ext uri="{AF507438-7753-43e0-B8FC-AC1667EBCBE1}">
-              <a14:hiddenEffects xmlns="" xmlns:a14="http://schemas.microsoft.com/office/drawing/2010/main">
+              <a14:hiddenEffects xmlns:a14="http://schemas.microsoft.com/office/drawing/2010/main" xmlns="">
                 <a:effectLst>
                   <a:outerShdw dist="35921" dir="2700000" algn="ctr" rotWithShape="0">
                     <a:srgbClr val="F4EFDB"/>
@@ -3818,102 +3794,6 @@
       </p:sp>
       <p:sp>
         <p:nvSpPr>
-          <p:cNvPr id="37" name="TextBox 36"/>
-          <p:cNvSpPr txBox="1"/>
-          <p:nvPr/>
-        </p:nvSpPr>
-        <p:spPr>
-          <a:xfrm>
-            <a:off x="1" y="4441842"/>
-            <a:ext cx="6814399" cy="7986802"/>
-          </a:xfrm>
-          <a:prstGeom prst="rect">
-            <a:avLst/>
-          </a:prstGeom>
-          <a:noFill/>
-        </p:spPr>
-        <p:txBody>
-          <a:bodyPr wrap="square" rtlCol="0">
-            <a:spAutoFit/>
-          </a:bodyPr>
-          <a:lstStyle/>
-          <a:p>
-            <a:pPr marL="342917" indent="-342917">
-              <a:buFont typeface="Wingdings" charset="2"/>
-              <a:buChar char="§"/>
-            </a:pPr>
-            <a:r>
-              <a:rPr lang="en-US" sz="2700" dirty="0"/>
-              <a:t>Mild Traumatic Brain Injury (</a:t>
-            </a:r>
-            <a:r>
-              <a:rPr lang="en-US" sz="2700" dirty="0" err="1"/>
-              <a:t>mTBI</a:t>
-            </a:r>
-            <a:r>
-              <a:rPr lang="en-US" sz="2700" dirty="0"/>
-              <a:t>) is a serious health concern, especially in contact sports such as football, and can cause acute and long term debilitating symptoms</a:t>
-            </a:r>
-            <a:r>
-              <a:rPr lang="en-US" sz="2700" baseline="30000" dirty="0"/>
-              <a:t>1,2</a:t>
-            </a:r>
-            <a:endParaRPr lang="en-US" sz="2700" dirty="0"/>
-          </a:p>
-          <a:p>
-            <a:pPr marL="342917" indent="-342917">
-              <a:buFont typeface="Wingdings" charset="2"/>
-              <a:buChar char="§"/>
-            </a:pPr>
-            <a:r>
-              <a:rPr lang="en-US" sz="2700" dirty="0"/>
-              <a:t>The Camarillo Lab at Stanford has developed and deployed an instrumented mouthguard that records linear acceleration and angular velocity of head impacts</a:t>
-            </a:r>
-            <a:r>
-              <a:rPr lang="en-US" sz="2700" baseline="30000" dirty="0"/>
-              <a:t>3</a:t>
-            </a:r>
-            <a:endParaRPr lang="en-US" sz="2700" dirty="0"/>
-          </a:p>
-          <a:p>
-            <a:pPr marL="342917" indent="-342917">
-              <a:buFont typeface="Wingdings" charset="2"/>
-              <a:buChar char="§"/>
-            </a:pPr>
-            <a:r>
-              <a:rPr lang="en-US" sz="2700" dirty="0"/>
-              <a:t>Device must be able to accurately classify between real impacts or false positives (e.g. spitting, chewing, etc.) to be useful</a:t>
-            </a:r>
-          </a:p>
-          <a:p>
-            <a:pPr marL="342917" indent="-342917">
-              <a:buFont typeface="Wingdings" charset="2"/>
-              <a:buChar char="§"/>
-            </a:pPr>
-            <a:r>
-              <a:rPr lang="en-US" sz="2700" dirty="0"/>
-              <a:t>In previous work, sequential feature selection was used to determine the most important classifier features, and these were used to train a SVM classifier</a:t>
-            </a:r>
-            <a:r>
-              <a:rPr lang="en-US" sz="2700" baseline="30000" dirty="0"/>
-              <a:t>4,5</a:t>
-            </a:r>
-            <a:endParaRPr lang="en-US" sz="2700" dirty="0"/>
-          </a:p>
-          <a:p>
-            <a:pPr marL="342917" indent="-342917">
-              <a:buFont typeface="Wingdings" charset="2"/>
-              <a:buChar char="§"/>
-            </a:pPr>
-            <a:r>
-              <a:rPr lang="en-US" sz="2700" dirty="0"/>
-              <a:t>We propose to use a neural net, which will automatically extract important features to distinguish between real and false impacts to a high degree of accuracy</a:t>
-            </a:r>
-          </a:p>
-        </p:txBody>
-      </p:sp>
-      <p:sp>
-        <p:nvSpPr>
           <p:cNvPr id="42" name="Rectangle 41"/>
           <p:cNvSpPr/>
           <p:nvPr/>
@@ -4043,7 +3923,7 @@
           <p:nvPr/>
         </p:nvPicPr>
         <p:blipFill>
-          <a:blip r:embed="rId5"/>
+          <a:blip r:embed="rId4"/>
           <a:stretch>
             <a:fillRect/>
           </a:stretch>
@@ -4088,422 +3968,46 @@
           <a:p>
             <a:r>
               <a:rPr lang="en-US" sz="4800" dirty="0"/>
-              <a:t>Nicholas Gaudio, Akash Levy, Jonas Messner</a:t>
-            </a:r>
+              <a:t>Nicholas Gaudio, Akash Levy, Jonas Messner, </a:t>
+            </a:r>
+            <a:r>
+              <a:rPr lang="en-US" sz="3200" dirty="0"/>
+              <a:t>{</a:t>
+            </a:r>
+            <a:r>
+              <a:rPr lang="en-US" sz="3200" dirty="0" err="1"/>
+              <a:t>nsgaudio</a:t>
+            </a:r>
+            <a:r>
+              <a:rPr lang="en-US" sz="3200" dirty="0"/>
+              <a:t>, </a:t>
+            </a:r>
+            <a:r>
+              <a:rPr lang="en-US" sz="3200" dirty="0" err="1"/>
+              <a:t>messnerj</a:t>
+            </a:r>
+            <a:r>
+              <a:rPr lang="en-US" sz="3200" dirty="0"/>
+              <a:t>, </a:t>
+            </a:r>
+            <a:r>
+              <a:rPr lang="en-US" sz="3200" dirty="0" err="1"/>
+              <a:t>akashl</a:t>
+            </a:r>
+            <a:r>
+              <a:rPr lang="en-US" sz="3200" dirty="0"/>
+              <a:t>}@</a:t>
+            </a:r>
+            <a:r>
+              <a:rPr lang="en-US" sz="3200" dirty="0" err="1"/>
+              <a:t>stanford.edu</a:t>
+            </a:r>
+            <a:endParaRPr lang="en-US" sz="3200" dirty="0"/>
           </a:p>
           <a:p>
             <a:r>
               <a:rPr lang="en-US" sz="3200" dirty="0"/>
               <a:t>Department of Electrical Engineering, Stanford University</a:t>
-            </a:r>
-          </a:p>
-        </p:txBody>
-      </p:sp>
-      <p:pic>
-        <p:nvPicPr>
-          <p:cNvPr id="3" name="Picture 2" descr="download.jpg"/>
-          <p:cNvPicPr>
-            <a:picLocks noChangeAspect="1"/>
-          </p:cNvPicPr>
-          <p:nvPr/>
-        </p:nvPicPr>
-        <p:blipFill>
-          <a:blip r:embed="rId6">
-            <a:extLst>
-              <a:ext uri="{28A0092B-C50C-407E-A947-70E740481C1C}">
-                <a14:useLocalDpi xmlns:a14="http://schemas.microsoft.com/office/drawing/2010/main" val="0"/>
-              </a:ext>
-            </a:extLst>
-          </a:blip>
-          <a:stretch>
-            <a:fillRect/>
-          </a:stretch>
-        </p:blipFill>
-        <p:spPr>
-          <a:xfrm>
-            <a:off x="37270" y="14089147"/>
-            <a:ext cx="3160451" cy="2257465"/>
-          </a:xfrm>
-          <a:prstGeom prst="rect">
-            <a:avLst/>
-          </a:prstGeom>
-        </p:spPr>
-      </p:pic>
-      <p:sp>
-        <p:nvSpPr>
-          <p:cNvPr id="33" name="TextBox 32"/>
-          <p:cNvSpPr txBox="1"/>
-          <p:nvPr/>
-        </p:nvSpPr>
-        <p:spPr>
-          <a:xfrm>
-            <a:off x="3197722" y="13040236"/>
-            <a:ext cx="8008738" cy="4093428"/>
-          </a:xfrm>
-          <a:prstGeom prst="rect">
-            <a:avLst/>
-          </a:prstGeom>
-          <a:noFill/>
-        </p:spPr>
-        <p:txBody>
-          <a:bodyPr wrap="square" rtlCol="0">
-            <a:spAutoFit/>
-          </a:bodyPr>
-          <a:lstStyle/>
-          <a:p>
-            <a:pPr marL="342917" indent="-342917">
-              <a:buFont typeface="Wingdings" charset="2"/>
-              <a:buChar char="§"/>
-            </a:pPr>
-            <a:r>
-              <a:rPr lang="en-US" sz="2600" dirty="0"/>
-              <a:t>527 examples of 6 time traces (linear acceleration and angular velocity in x, y, z axes) each of length 199</a:t>
-            </a:r>
-          </a:p>
-          <a:p>
-            <a:pPr marL="342917" indent="-342917">
-              <a:buFont typeface="Wingdings" charset="2"/>
-              <a:buChar char="§"/>
-            </a:pPr>
-            <a:r>
-              <a:rPr lang="en-US" sz="2600" dirty="0"/>
-              <a:t>264 real impacts and 263 false impacts</a:t>
-            </a:r>
-          </a:p>
-          <a:p>
-            <a:pPr marL="342917" indent="-342917">
-              <a:buFont typeface="Wingdings" charset="2"/>
-              <a:buChar char="§"/>
-            </a:pPr>
-            <a:r>
-              <a:rPr lang="en-US" sz="2600" dirty="0"/>
-              <a:t>Each impact has 100ms of data sampled at 1000 Hz</a:t>
-            </a:r>
-          </a:p>
-          <a:p>
-            <a:pPr marL="342917" indent="-342917">
-              <a:buFont typeface="Wingdings" charset="2"/>
-              <a:buChar char="§"/>
-            </a:pPr>
-            <a:r>
-              <a:rPr lang="en-US" sz="2600" dirty="0"/>
-              <a:t>Dataset was randomly split 70%/30% into a training and evaluation set</a:t>
-            </a:r>
-          </a:p>
-          <a:p>
-            <a:pPr marL="342917" indent="-342917">
-              <a:buFont typeface="Wingdings" charset="2"/>
-              <a:buChar char="§"/>
-            </a:pPr>
-            <a:r>
-              <a:rPr lang="en-US" sz="2600" dirty="0"/>
-              <a:t>Generally, true impacts have lower frequencies content (20-30 Hz), whereas false impacts are comprised of higher frequency content</a:t>
-            </a:r>
-          </a:p>
-          <a:p>
-            <a:pPr marL="342917" indent="-342917">
-              <a:buFont typeface="Wingdings" charset="2"/>
-              <a:buChar char="§"/>
-            </a:pPr>
-            <a:endParaRPr lang="en-US" sz="2600" dirty="0"/>
-          </a:p>
-        </p:txBody>
-      </p:sp>
-      <p:sp>
-        <p:nvSpPr>
-          <p:cNvPr id="12" name="TextBox 11"/>
-          <p:cNvSpPr txBox="1"/>
-          <p:nvPr/>
-        </p:nvSpPr>
-        <p:spPr>
-          <a:xfrm>
-            <a:off x="0" y="16748459"/>
-            <a:ext cx="11439380" cy="461665"/>
-          </a:xfrm>
-          <a:prstGeom prst="rect">
-            <a:avLst/>
-          </a:prstGeom>
-          <a:noFill/>
-        </p:spPr>
-        <p:txBody>
-          <a:bodyPr wrap="square" rtlCol="0">
-            <a:spAutoFit/>
-          </a:bodyPr>
-          <a:lstStyle/>
-          <a:p>
-            <a:r>
-              <a:rPr lang="en-US" sz="2400" b="1" dirty="0"/>
-              <a:t>A representative example of a real and false impact:</a:t>
-            </a:r>
-          </a:p>
-        </p:txBody>
-      </p:sp>
-      <p:sp>
-        <p:nvSpPr>
-          <p:cNvPr id="38" name="TextBox 37"/>
-          <p:cNvSpPr txBox="1"/>
-          <p:nvPr/>
-        </p:nvSpPr>
-        <p:spPr>
-          <a:xfrm>
-            <a:off x="-123365" y="13164507"/>
-            <a:ext cx="3546008" cy="830997"/>
-          </a:xfrm>
-          <a:prstGeom prst="rect">
-            <a:avLst/>
-          </a:prstGeom>
-          <a:noFill/>
-        </p:spPr>
-        <p:txBody>
-          <a:bodyPr wrap="square" rtlCol="0">
-            <a:spAutoFit/>
-          </a:bodyPr>
-          <a:lstStyle/>
-          <a:p>
-            <a:pPr algn="ctr"/>
-            <a:r>
-              <a:rPr lang="en-US" sz="2400" b="1" dirty="0"/>
-              <a:t>Stanford Instrumented Mouthguard</a:t>
-            </a:r>
-          </a:p>
-        </p:txBody>
-      </p:sp>
-      <p:sp>
-        <p:nvSpPr>
-          <p:cNvPr id="16" name="TextBox 15"/>
-          <p:cNvSpPr txBox="1"/>
-          <p:nvPr/>
-        </p:nvSpPr>
-        <p:spPr>
-          <a:xfrm>
-            <a:off x="23332366" y="19582216"/>
-            <a:ext cx="10380118" cy="2031325"/>
-          </a:xfrm>
-          <a:prstGeom prst="rect">
-            <a:avLst/>
-          </a:prstGeom>
-          <a:noFill/>
-        </p:spPr>
-        <p:txBody>
-          <a:bodyPr wrap="square" rtlCol="0">
-            <a:spAutoFit/>
-          </a:bodyPr>
-          <a:lstStyle/>
-          <a:p>
-            <a:pPr marL="228600" indent="-228600">
-              <a:buFont typeface="+mj-lt"/>
-              <a:buAutoNum type="arabicPeriod"/>
-            </a:pPr>
-            <a:r>
-              <a:rPr lang="en-US" sz="1800" dirty="0" err="1"/>
-              <a:t>Langlois</a:t>
-            </a:r>
-            <a:r>
-              <a:rPr lang="en-US" sz="1800" dirty="0"/>
-              <a:t>, Jean A., et al. The Journal of head trauma rehabilitation21.5(2006): 375-378.</a:t>
-            </a:r>
-          </a:p>
-          <a:p>
-            <a:pPr marL="228600" indent="-228600">
-              <a:buFont typeface="+mj-lt"/>
-              <a:buAutoNum type="arabicPeriod"/>
-            </a:pPr>
-            <a:r>
-              <a:rPr lang="en-US" sz="1800" dirty="0"/>
-              <a:t>Ramos-</a:t>
-            </a:r>
-            <a:r>
-              <a:rPr lang="en-US" sz="1800" dirty="0" err="1"/>
-              <a:t>Cejudo</a:t>
-            </a:r>
-            <a:r>
-              <a:rPr lang="en-US" sz="1800" dirty="0"/>
-              <a:t>, Jaime, et al. </a:t>
-            </a:r>
-            <a:r>
-              <a:rPr lang="en-US" sz="1800" dirty="0" err="1"/>
-              <a:t>EBioMedicine</a:t>
-            </a:r>
-            <a:r>
-              <a:rPr lang="en-US" sz="1800" dirty="0"/>
-              <a:t> (2018).</a:t>
-            </a:r>
-          </a:p>
-          <a:p>
-            <a:pPr marL="228600" indent="-228600">
-              <a:buFont typeface="+mj-lt"/>
-              <a:buAutoNum type="arabicPeriod"/>
-            </a:pPr>
-            <a:r>
-              <a:rPr lang="en-US" sz="1800" dirty="0"/>
-              <a:t> Camarillo, David B., et al. Annals of biomedical engineering 41.9 (2013): 1939-1949.</a:t>
-            </a:r>
-          </a:p>
-          <a:p>
-            <a:pPr marL="228600" indent="-228600">
-              <a:buFont typeface="+mj-lt"/>
-              <a:buAutoNum type="arabicPeriod"/>
-            </a:pPr>
-            <a:r>
-              <a:rPr lang="en-US" sz="1800" dirty="0"/>
-              <a:t>Wu, </a:t>
-            </a:r>
-            <a:r>
-              <a:rPr lang="en-US" sz="1800" dirty="0" err="1"/>
-              <a:t>Lyndia</a:t>
-            </a:r>
-            <a:r>
-              <a:rPr lang="en-US" sz="1800" dirty="0"/>
-              <a:t> C., et al. IEEE Transactions on Biomedical Engineering 61.11 (2014): 2659-2668.</a:t>
-            </a:r>
-          </a:p>
-          <a:p>
-            <a:pPr marL="228600" indent="-228600">
-              <a:buFont typeface="+mj-lt"/>
-              <a:buAutoNum type="arabicPeriod"/>
-            </a:pPr>
-            <a:r>
-              <a:rPr lang="en-US" sz="1800" dirty="0"/>
-              <a:t>Wu, </a:t>
-            </a:r>
-            <a:r>
-              <a:rPr lang="en-US" sz="1800" dirty="0" err="1"/>
-              <a:t>Lyndia</a:t>
-            </a:r>
-            <a:r>
-              <a:rPr lang="en-US" sz="1800" dirty="0"/>
-              <a:t> C., et al. Scientific reports 8.1 (2017): 855.</a:t>
-            </a:r>
-          </a:p>
-          <a:p>
-            <a:pPr marL="228600" indent="-228600">
-              <a:buFont typeface="+mj-lt"/>
-              <a:buAutoNum type="arabicPeriod"/>
-            </a:pPr>
-            <a:r>
-              <a:rPr lang="en-US" sz="1800" dirty="0" err="1"/>
-              <a:t>Kasnesis</a:t>
-            </a:r>
-            <a:r>
-              <a:rPr lang="en-US" sz="1800" dirty="0"/>
-              <a:t>, Panagiotis, et al. Proceedings of SAI Intelligent Systems Conference. Springer, Cham, 2018.</a:t>
-            </a:r>
-          </a:p>
-          <a:p>
-            <a:pPr marL="228600" indent="-228600">
-              <a:buFont typeface="+mj-lt"/>
-              <a:buAutoNum type="arabicPeriod"/>
-            </a:pPr>
-            <a:r>
-              <a:rPr lang="en-US" sz="1800" dirty="0" err="1"/>
-              <a:t>Ronao</a:t>
-            </a:r>
-            <a:r>
-              <a:rPr lang="en-US" sz="1800" dirty="0"/>
-              <a:t>, </a:t>
-            </a:r>
-            <a:r>
-              <a:rPr lang="en-US" sz="1800" dirty="0" err="1"/>
-              <a:t>Charissa</a:t>
-            </a:r>
-            <a:r>
-              <a:rPr lang="en-US" sz="1800" dirty="0"/>
-              <a:t> Ann, et al. Expert Systems with Applications 59 (2016): 235-244.</a:t>
-            </a:r>
-          </a:p>
-        </p:txBody>
-      </p:sp>
-      <p:sp>
-        <p:nvSpPr>
-          <p:cNvPr id="10" name="TextBox 9"/>
-          <p:cNvSpPr txBox="1"/>
-          <p:nvPr/>
-        </p:nvSpPr>
-        <p:spPr>
-          <a:xfrm>
-            <a:off x="11535862" y="8194688"/>
-            <a:ext cx="20866100" cy="1754326"/>
-          </a:xfrm>
-          <a:prstGeom prst="rect">
-            <a:avLst/>
-          </a:prstGeom>
-          <a:noFill/>
-        </p:spPr>
-        <p:txBody>
-          <a:bodyPr wrap="square" rtlCol="0">
-            <a:spAutoFit/>
-          </a:bodyPr>
-          <a:lstStyle/>
-          <a:p>
-            <a:pPr marL="457200" indent="-457200">
-              <a:buFont typeface="Arial"/>
-              <a:buChar char="•"/>
-            </a:pPr>
-            <a:r>
-              <a:rPr lang="en-US" sz="2700" dirty="0"/>
-              <a:t>Used </a:t>
-            </a:r>
-            <a:r>
-              <a:rPr lang="en-US" sz="2700" dirty="0" err="1"/>
-              <a:t>Keras</a:t>
-            </a:r>
-            <a:r>
-              <a:rPr lang="en-US" sz="2700" dirty="0"/>
-              <a:t> and </a:t>
-            </a:r>
-            <a:r>
-              <a:rPr lang="en-US" sz="2700" dirty="0" err="1"/>
-              <a:t>Tensorflow</a:t>
-            </a:r>
-            <a:r>
-              <a:rPr lang="en-US" sz="2700" dirty="0"/>
-              <a:t> in Python to create a deep convolutional neural network</a:t>
-            </a:r>
-          </a:p>
-          <a:p>
-            <a:pPr marL="457200" indent="-457200">
-              <a:buFont typeface="Arial"/>
-              <a:buChar char="•"/>
-            </a:pPr>
-            <a:r>
-              <a:rPr lang="en-US" sz="2700" dirty="0"/>
-              <a:t>Baseline architecture modeled off of PerceptionNet</a:t>
-            </a:r>
-            <a:r>
-              <a:rPr lang="en-US" sz="2700" baseline="30000" dirty="0"/>
-              <a:t>6</a:t>
-            </a:r>
-            <a:r>
-              <a:rPr lang="en-US" sz="2700" dirty="0"/>
-              <a:t> and ConvNet</a:t>
-            </a:r>
-            <a:r>
-              <a:rPr lang="en-US" sz="2700" baseline="30000" dirty="0"/>
-              <a:t>7</a:t>
-            </a:r>
-            <a:r>
-              <a:rPr lang="en-US" sz="2700" dirty="0"/>
-              <a:t>, two CNN’s used for Human Activity Recognition from time series data</a:t>
-            </a:r>
-          </a:p>
-          <a:p>
-            <a:pPr marL="457200" indent="-457200">
-              <a:buFont typeface="Arial"/>
-              <a:buChar char="•"/>
-            </a:pPr>
-            <a:r>
-              <a:rPr lang="en-US" sz="2700" dirty="0"/>
-              <a:t>The 1D convolutional layers “extract” features and feed into a late 2D convolution which classifies the data into impact and no impact</a:t>
-            </a:r>
-          </a:p>
-          <a:p>
-            <a:pPr marL="457200" indent="-457200">
-              <a:buFont typeface="Arial"/>
-              <a:buChar char="•"/>
-            </a:pPr>
-            <a:r>
-              <a:rPr lang="en-US" sz="2700" dirty="0"/>
-              <a:t>The 2D convolution is late in the architecture to prevent overfitting</a:t>
             </a:r>
           </a:p>
         </p:txBody>
@@ -4516,7 +4020,7 @@
         </p:nvSpPr>
         <p:spPr>
           <a:xfrm>
-            <a:off x="11535861" y="19728830"/>
+            <a:off x="443791" y="5488573"/>
             <a:ext cx="11442125" cy="2169825"/>
           </a:xfrm>
           <a:prstGeom prst="rect">
@@ -4565,399 +4069,6 @@
             <a:r>
               <a:rPr lang="en-US" sz="2700" dirty="0"/>
               <a:t>)</a:t>
-            </a:r>
-          </a:p>
-        </p:txBody>
-      </p:sp>
-      <p:sp>
-        <p:nvSpPr>
-          <p:cNvPr id="13" name="TextBox 12"/>
-          <p:cNvSpPr txBox="1"/>
-          <p:nvPr/>
-        </p:nvSpPr>
-        <p:spPr>
-          <a:xfrm>
-            <a:off x="25285064" y="10870818"/>
-            <a:ext cx="7633336" cy="5909310"/>
-          </a:xfrm>
-          <a:prstGeom prst="rect">
-            <a:avLst/>
-          </a:prstGeom>
-          <a:noFill/>
-        </p:spPr>
-        <p:txBody>
-          <a:bodyPr wrap="square" rtlCol="0">
-            <a:spAutoFit/>
-          </a:bodyPr>
-          <a:lstStyle/>
-          <a:p>
-            <a:pPr marL="685800" indent="-685800">
-              <a:buFont typeface="Arial"/>
-              <a:buChar char="•"/>
-            </a:pPr>
-            <a:r>
-              <a:rPr lang="en-US" sz="2700" dirty="0"/>
-              <a:t>Tested a number of architectures (e.g. U-Net) but found the </a:t>
-            </a:r>
-            <a:r>
-              <a:rPr lang="en-US" sz="2700" dirty="0" err="1"/>
-              <a:t>PerceptionNet</a:t>
-            </a:r>
-            <a:r>
-              <a:rPr lang="en-US" sz="2700" dirty="0"/>
-              <a:t> architecture to have highest accuracy on evaluation set</a:t>
-            </a:r>
-          </a:p>
-          <a:p>
-            <a:pPr marL="685800" indent="-685800">
-              <a:buFont typeface="Arial"/>
-              <a:buChar char="•"/>
-            </a:pPr>
-            <a:r>
-              <a:rPr lang="en-US" sz="2700" dirty="0"/>
-              <a:t>Tuned our Net using a “greedy” optimization scheme for number of 1D </a:t>
-            </a:r>
-            <a:r>
-              <a:rPr lang="en-US" sz="2700" dirty="0" err="1"/>
-              <a:t>conv</a:t>
-            </a:r>
-            <a:r>
-              <a:rPr lang="en-US" sz="2700" dirty="0"/>
-              <a:t> layers, number of 2D </a:t>
-            </a:r>
-            <a:r>
-              <a:rPr lang="en-US" sz="2700" dirty="0" err="1"/>
-              <a:t>conv</a:t>
-            </a:r>
-            <a:r>
-              <a:rPr lang="en-US" sz="2700" dirty="0"/>
-              <a:t> layers, and type of final layer</a:t>
-            </a:r>
-          </a:p>
-          <a:p>
-            <a:pPr marL="685800" indent="-685800">
-              <a:buFont typeface="Arial"/>
-              <a:buChar char="•"/>
-            </a:pPr>
-            <a:r>
-              <a:rPr lang="en-US" sz="2700" dirty="0"/>
-              <a:t>Parameter sweep to find optimal filter size, kernel width, and dropout thresholds</a:t>
-            </a:r>
-          </a:p>
-          <a:p>
-            <a:pPr marL="685800" indent="-685800">
-              <a:buFont typeface="Arial"/>
-              <a:buChar char="•"/>
-            </a:pPr>
-            <a:r>
-              <a:rPr lang="en-US" sz="2700" dirty="0"/>
-              <a:t>Optimal dropout threshold 0.4, kernel width of 15, and filter size of 150</a:t>
-            </a:r>
-          </a:p>
-          <a:p>
-            <a:pPr marL="685800" indent="-685800">
-              <a:buFont typeface="Arial"/>
-              <a:buChar char="•"/>
-            </a:pPr>
-            <a:r>
-              <a:rPr lang="en-US" sz="2700" dirty="0"/>
-              <a:t>Low parameter neural network worked surprisingly well and out performed other more complex architectures as well as existing SVM classifier</a:t>
-            </a:r>
-          </a:p>
-        </p:txBody>
-      </p:sp>
-      <p:pic>
-        <p:nvPicPr>
-          <p:cNvPr id="1026" name="Picture 2" descr="https://lh6.googleusercontent.com/VoozFjjNRJQb2PqNDNkFW45fwNw1AXkfEOKlyzxNXdJYYaRWNOkUpAQq94AL2cW2Vw0l7oaMZ4vMRCp5PBaWFhS_CEPVXa4BWXkRQXIOyXFf7rMbtGCTiq_XQxplk5Hin3oUvS0g"/>
-          <p:cNvPicPr>
-            <a:picLocks noChangeAspect="1" noChangeArrowheads="1"/>
-          </p:cNvPicPr>
-          <p:nvPr/>
-        </p:nvPicPr>
-        <p:blipFill>
-          <a:blip r:embed="rId7">
-            <a:extLst>
-              <a:ext uri="{28A0092B-C50C-407E-A947-70E740481C1C}">
-                <a14:useLocalDpi xmlns:a14="http://schemas.microsoft.com/office/drawing/2010/main" val="0"/>
-              </a:ext>
-            </a:extLst>
-          </a:blip>
-          <a:srcRect/>
-          <a:stretch>
-            <a:fillRect/>
-          </a:stretch>
-        </p:blipFill>
-        <p:spPr bwMode="auto">
-          <a:xfrm>
-            <a:off x="3351" y="17317788"/>
-            <a:ext cx="10957023" cy="4627811"/>
-          </a:xfrm>
-          <a:prstGeom prst="rect">
-            <a:avLst/>
-          </a:prstGeom>
-          <a:noFill/>
-          <a:extLst>
-            <a:ext uri="{909E8E84-426E-40dd-AFC4-6F175D3DCCD1}">
-              <a14:hiddenFill xmlns="" xmlns:a14="http://schemas.microsoft.com/office/drawing/2010/main">
-                <a:solidFill>
-                  <a:srgbClr val="FFFFFF"/>
-                </a:solidFill>
-              </a14:hiddenFill>
-            </a:ext>
-          </a:extLst>
-        </p:spPr>
-      </p:pic>
-      <p:pic>
-        <p:nvPicPr>
-          <p:cNvPr id="8" name="Picture 7"/>
-          <p:cNvPicPr>
-            <a:picLocks noChangeAspect="1"/>
-          </p:cNvPicPr>
-          <p:nvPr/>
-        </p:nvPicPr>
-        <p:blipFill>
-          <a:blip r:embed="rId8"/>
-          <a:stretch>
-            <a:fillRect/>
-          </a:stretch>
-        </p:blipFill>
-        <p:spPr>
-          <a:xfrm>
-            <a:off x="6814400" y="4647534"/>
-            <a:ext cx="4416215" cy="6965280"/>
-          </a:xfrm>
-          <a:prstGeom prst="rect">
-            <a:avLst/>
-          </a:prstGeom>
-        </p:spPr>
-      </p:pic>
-      <p:sp>
-        <p:nvSpPr>
-          <p:cNvPr id="15" name="TextBox 14"/>
-          <p:cNvSpPr txBox="1"/>
-          <p:nvPr/>
-        </p:nvSpPr>
-        <p:spPr>
-          <a:xfrm>
-            <a:off x="7465383" y="11697045"/>
-            <a:ext cx="3114066" cy="461665"/>
-          </a:xfrm>
-          <a:prstGeom prst="rect">
-            <a:avLst/>
-          </a:prstGeom>
-          <a:noFill/>
-        </p:spPr>
-        <p:txBody>
-          <a:bodyPr wrap="square" rtlCol="0">
-            <a:spAutoFit/>
-          </a:bodyPr>
-          <a:lstStyle/>
-          <a:p>
-            <a:r>
-              <a:rPr lang="en-US" sz="2400" dirty="0"/>
-              <a:t>Image adapted from [4]</a:t>
-            </a:r>
-          </a:p>
-        </p:txBody>
-      </p:sp>
-      <p:sp>
-        <p:nvSpPr>
-          <p:cNvPr id="18" name="Rectangle 17"/>
-          <p:cNvSpPr/>
-          <p:nvPr/>
-        </p:nvSpPr>
-        <p:spPr>
-          <a:xfrm>
-            <a:off x="7770597" y="8072657"/>
-            <a:ext cx="763803" cy="362586"/>
-          </a:xfrm>
-          <a:prstGeom prst="rect">
-            <a:avLst/>
-          </a:prstGeom>
-        </p:spPr>
-        <p:style>
-          <a:lnRef idx="2">
-            <a:schemeClr val="dk1">
-              <a:shade val="50000"/>
-            </a:schemeClr>
-          </a:lnRef>
-          <a:fillRef idx="1">
-            <a:schemeClr val="dk1"/>
-          </a:fillRef>
-          <a:effectRef idx="0">
-            <a:schemeClr val="dk1"/>
-          </a:effectRef>
-          <a:fontRef idx="minor">
-            <a:schemeClr val="lt1"/>
-          </a:fontRef>
-        </p:style>
-        <p:txBody>
-          <a:bodyPr rtlCol="0" anchor="ctr"/>
-          <a:lstStyle/>
-          <a:p>
-            <a:pPr algn="ctr"/>
-            <a:endParaRPr lang="en-US"/>
-          </a:p>
-        </p:txBody>
-      </p:sp>
-      <p:sp>
-        <p:nvSpPr>
-          <p:cNvPr id="39" name="Rectangle 38"/>
-          <p:cNvSpPr/>
-          <p:nvPr/>
-        </p:nvSpPr>
-        <p:spPr>
-          <a:xfrm>
-            <a:off x="9943766" y="7966766"/>
-            <a:ext cx="763803" cy="362586"/>
-          </a:xfrm>
-          <a:prstGeom prst="rect">
-            <a:avLst/>
-          </a:prstGeom>
-        </p:spPr>
-        <p:style>
-          <a:lnRef idx="2">
-            <a:schemeClr val="dk1">
-              <a:shade val="50000"/>
-            </a:schemeClr>
-          </a:lnRef>
-          <a:fillRef idx="1">
-            <a:schemeClr val="dk1"/>
-          </a:fillRef>
-          <a:effectRef idx="0">
-            <a:schemeClr val="dk1"/>
-          </a:effectRef>
-          <a:fontRef idx="minor">
-            <a:schemeClr val="lt1"/>
-          </a:fontRef>
-        </p:style>
-        <p:txBody>
-          <a:bodyPr rtlCol="0" anchor="ctr"/>
-          <a:lstStyle/>
-          <a:p>
-            <a:pPr algn="ctr"/>
-            <a:endParaRPr lang="en-US"/>
-          </a:p>
-        </p:txBody>
-      </p:sp>
-      <p:sp>
-        <p:nvSpPr>
-          <p:cNvPr id="41" name="Rectangle 40"/>
-          <p:cNvSpPr/>
-          <p:nvPr/>
-        </p:nvSpPr>
-        <p:spPr>
-          <a:xfrm>
-            <a:off x="7981221" y="9898612"/>
-            <a:ext cx="763803" cy="362586"/>
-          </a:xfrm>
-          <a:prstGeom prst="rect">
-            <a:avLst/>
-          </a:prstGeom>
-        </p:spPr>
-        <p:style>
-          <a:lnRef idx="2">
-            <a:schemeClr val="dk1">
-              <a:shade val="50000"/>
-            </a:schemeClr>
-          </a:lnRef>
-          <a:fillRef idx="1">
-            <a:schemeClr val="dk1"/>
-          </a:fillRef>
-          <a:effectRef idx="0">
-            <a:schemeClr val="dk1"/>
-          </a:effectRef>
-          <a:fontRef idx="minor">
-            <a:schemeClr val="lt1"/>
-          </a:fontRef>
-        </p:style>
-        <p:txBody>
-          <a:bodyPr rtlCol="0" anchor="ctr"/>
-          <a:lstStyle/>
-          <a:p>
-            <a:pPr algn="ctr"/>
-            <a:endParaRPr lang="en-US"/>
-          </a:p>
-        </p:txBody>
-      </p:sp>
-      <p:sp>
-        <p:nvSpPr>
-          <p:cNvPr id="44" name="Rectangle 43"/>
-          <p:cNvSpPr/>
-          <p:nvPr/>
-        </p:nvSpPr>
-        <p:spPr>
-          <a:xfrm>
-            <a:off x="10126841" y="9898612"/>
-            <a:ext cx="763803" cy="362586"/>
-          </a:xfrm>
-          <a:prstGeom prst="rect">
-            <a:avLst/>
-          </a:prstGeom>
-        </p:spPr>
-        <p:style>
-          <a:lnRef idx="2">
-            <a:schemeClr val="dk1">
-              <a:shade val="50000"/>
-            </a:schemeClr>
-          </a:lnRef>
-          <a:fillRef idx="1">
-            <a:schemeClr val="dk1"/>
-          </a:fillRef>
-          <a:effectRef idx="0">
-            <a:schemeClr val="dk1"/>
-          </a:effectRef>
-          <a:fontRef idx="minor">
-            <a:schemeClr val="lt1"/>
-          </a:fontRef>
-        </p:style>
-        <p:txBody>
-          <a:bodyPr rtlCol="0" anchor="ctr"/>
-          <a:lstStyle/>
-          <a:p>
-            <a:pPr algn="ctr"/>
-            <a:endParaRPr lang="en-US"/>
-          </a:p>
-        </p:txBody>
-      </p:sp>
-      <p:sp>
-        <p:nvSpPr>
-          <p:cNvPr id="45" name="TextBox 44"/>
-          <p:cNvSpPr txBox="1"/>
-          <p:nvPr/>
-        </p:nvSpPr>
-        <p:spPr>
-          <a:xfrm>
-            <a:off x="26428021" y="16697772"/>
-            <a:ext cx="6199814" cy="646331"/>
-          </a:xfrm>
-          <a:prstGeom prst="rect">
-            <a:avLst/>
-          </a:prstGeom>
-          <a:noFill/>
-        </p:spPr>
-        <p:txBody>
-          <a:bodyPr wrap="square" rtlCol="0">
-            <a:spAutoFit/>
-          </a:bodyPr>
-          <a:lstStyle/>
-          <a:p>
-            <a:pPr algn="r"/>
-            <a:r>
-              <a:rPr lang="en-US" sz="3200" b="1" dirty="0"/>
-              <a:t>Final </a:t>
-            </a:r>
-            <a:r>
-              <a:rPr lang="en-US" sz="3200" b="1" dirty="0" err="1"/>
-              <a:t>HIKNet</a:t>
-            </a:r>
-            <a:r>
-              <a:rPr lang="en-US" sz="3200" b="1" dirty="0"/>
-              <a:t> Performance Metrics</a:t>
-            </a:r>
-            <a:r>
-              <a:rPr lang="en-US" sz="3600" b="1" dirty="0"/>
-              <a:t>:</a:t>
             </a:r>
           </a:p>
         </p:txBody>
@@ -4971,7 +4082,7 @@
           <p:nvPr/>
         </p:nvPicPr>
         <p:blipFill>
-          <a:blip r:embed="rId9">
+          <a:blip r:embed="rId5">
             <a:extLst>
               <a:ext uri="{28A0092B-C50C-407E-A947-70E740481C1C}">
                 <a14:useLocalDpi xmlns:a14="http://schemas.microsoft.com/office/drawing/2010/main" val="0"/>
@@ -4994,90 +4105,13 @@
           <a:noFill/>
           <a:extLst>
             <a:ext uri="{909E8E84-426E-40dd-AFC4-6F175D3DCCD1}">
-              <a14:hiddenFill xmlns="" xmlns:a14="http://schemas.microsoft.com/office/drawing/2010/main">
+              <a14:hiddenFill xmlns:a14="http://schemas.microsoft.com/office/drawing/2010/main" xmlns="">
                 <a:solidFill>
                   <a:srgbClr val="FFFFFF"/>
                 </a:solidFill>
               </a14:hiddenFill>
             </a:ext>
           </a:extLst>
-        </p:spPr>
-      </p:pic>
-      <p:pic>
-        <p:nvPicPr>
-          <p:cNvPr id="7" name="Picture 6" descr="finalnetarch.jpg"/>
-          <p:cNvPicPr>
-            <a:picLocks noChangeAspect="1"/>
-          </p:cNvPicPr>
-          <p:nvPr/>
-        </p:nvPicPr>
-        <p:blipFill rotWithShape="1">
-          <a:blip r:embed="rId10">
-            <a:extLst>
-              <a:ext uri="{28A0092B-C50C-407E-A947-70E740481C1C}">
-                <a14:useLocalDpi xmlns:a14="http://schemas.microsoft.com/office/drawing/2010/main" val="0"/>
-              </a:ext>
-            </a:extLst>
-          </a:blip>
-          <a:srcRect l="1521" t="1918" r="2020" b="11488"/>
-          <a:stretch/>
-        </p:blipFill>
-        <p:spPr>
-          <a:xfrm>
-            <a:off x="11730517" y="4441841"/>
-            <a:ext cx="21187883" cy="3739335"/>
-          </a:xfrm>
-          <a:prstGeom prst="rect">
-            <a:avLst/>
-          </a:prstGeom>
-        </p:spPr>
-      </p:pic>
-      <p:pic>
-        <p:nvPicPr>
-          <p:cNvPr id="14" name="Picture 13"/>
-          <p:cNvPicPr>
-            <a:picLocks noChangeAspect="1"/>
-          </p:cNvPicPr>
-          <p:nvPr/>
-        </p:nvPicPr>
-        <p:blipFill>
-          <a:blip r:embed="rId11"/>
-          <a:stretch>
-            <a:fillRect/>
-          </a:stretch>
-        </p:blipFill>
-        <p:spPr>
-          <a:xfrm>
-            <a:off x="11439380" y="11494800"/>
-            <a:ext cx="9120961" cy="6930679"/>
-          </a:xfrm>
-          <a:prstGeom prst="rect">
-            <a:avLst/>
-          </a:prstGeom>
-        </p:spPr>
-      </p:pic>
-      <p:pic>
-        <p:nvPicPr>
-          <p:cNvPr id="21" name="Picture 20"/>
-          <p:cNvPicPr>
-            <a:picLocks noChangeAspect="1"/>
-          </p:cNvPicPr>
-          <p:nvPr/>
-        </p:nvPicPr>
-        <p:blipFill>
-          <a:blip r:embed="rId12"/>
-          <a:stretch>
-            <a:fillRect/>
-          </a:stretch>
-        </p:blipFill>
-        <p:spPr>
-          <a:xfrm>
-            <a:off x="25106330" y="17344103"/>
-            <a:ext cx="7812070" cy="1459236"/>
-          </a:xfrm>
-          <a:prstGeom prst="rect">
-            <a:avLst/>
-          </a:prstGeom>
         </p:spPr>
       </p:pic>
     </p:spTree>

--- a/poster.pptx
+++ b/poster.pptx
@@ -4020,7 +4020,7 @@
         </p:nvSpPr>
         <p:spPr>
           <a:xfrm>
-            <a:off x="443791" y="5488573"/>
+            <a:off x="-105756" y="4714957"/>
             <a:ext cx="11442125" cy="2169825"/>
           </a:xfrm>
           <a:prstGeom prst="rect">

--- a/poster.pptx
+++ b/poster.pptx
@@ -208,7 +208,7 @@
           <a:p>
             <a:fld id="{2CD06590-05B3-D443-B0E0-BD27522271CC}" type="datetimeFigureOut">
               <a:rPr lang="en-US" smtClean="0"/>
-              <a:t>3/12/19</a:t>
+              <a:t>3/16/19</a:t>
             </a:fld>
             <a:endParaRPr lang="en-US"/>
           </a:p>
@@ -695,7 +695,7 @@
           <a:p>
             <a:fld id="{2C4BE8D5-BF98-1F4F-A43A-6FEDDCEE5F10}" type="datetimeFigureOut">
               <a:rPr lang="en-US" smtClean="0"/>
-              <a:t>3/12/19</a:t>
+              <a:t>3/16/19</a:t>
             </a:fld>
             <a:endParaRPr lang="en-US"/>
           </a:p>
@@ -865,7 +865,7 @@
           <a:p>
             <a:fld id="{2C4BE8D5-BF98-1F4F-A43A-6FEDDCEE5F10}" type="datetimeFigureOut">
               <a:rPr lang="en-US" smtClean="0"/>
-              <a:t>3/12/19</a:t>
+              <a:t>3/16/19</a:t>
             </a:fld>
             <a:endParaRPr lang="en-US"/>
           </a:p>
@@ -1045,7 +1045,7 @@
           <a:p>
             <a:fld id="{2C4BE8D5-BF98-1F4F-A43A-6FEDDCEE5F10}" type="datetimeFigureOut">
               <a:rPr lang="en-US" smtClean="0"/>
-              <a:t>3/12/19</a:t>
+              <a:t>3/16/19</a:t>
             </a:fld>
             <a:endParaRPr lang="en-US"/>
           </a:p>
@@ -1215,7 +1215,7 @@
           <a:p>
             <a:fld id="{2C4BE8D5-BF98-1F4F-A43A-6FEDDCEE5F10}" type="datetimeFigureOut">
               <a:rPr lang="en-US" smtClean="0"/>
-              <a:t>3/12/19</a:t>
+              <a:t>3/16/19</a:t>
             </a:fld>
             <a:endParaRPr lang="en-US"/>
           </a:p>
@@ -1459,7 +1459,7 @@
           <a:p>
             <a:fld id="{2C4BE8D5-BF98-1F4F-A43A-6FEDDCEE5F10}" type="datetimeFigureOut">
               <a:rPr lang="en-US" smtClean="0"/>
-              <a:t>3/12/19</a:t>
+              <a:t>3/16/19</a:t>
             </a:fld>
             <a:endParaRPr lang="en-US"/>
           </a:p>
@@ -1691,7 +1691,7 @@
           <a:p>
             <a:fld id="{2C4BE8D5-BF98-1F4F-A43A-6FEDDCEE5F10}" type="datetimeFigureOut">
               <a:rPr lang="en-US" smtClean="0"/>
-              <a:t>3/12/19</a:t>
+              <a:t>3/16/19</a:t>
             </a:fld>
             <a:endParaRPr lang="en-US"/>
           </a:p>
@@ -2058,7 +2058,7 @@
           <a:p>
             <a:fld id="{2C4BE8D5-BF98-1F4F-A43A-6FEDDCEE5F10}" type="datetimeFigureOut">
               <a:rPr lang="en-US" smtClean="0"/>
-              <a:t>3/12/19</a:t>
+              <a:t>3/16/19</a:t>
             </a:fld>
             <a:endParaRPr lang="en-US"/>
           </a:p>
@@ -2176,7 +2176,7 @@
           <a:p>
             <a:fld id="{2C4BE8D5-BF98-1F4F-A43A-6FEDDCEE5F10}" type="datetimeFigureOut">
               <a:rPr lang="en-US" smtClean="0"/>
-              <a:t>3/12/19</a:t>
+              <a:t>3/16/19</a:t>
             </a:fld>
             <a:endParaRPr lang="en-US"/>
           </a:p>
@@ -2271,7 +2271,7 @@
           <a:p>
             <a:fld id="{2C4BE8D5-BF98-1F4F-A43A-6FEDDCEE5F10}" type="datetimeFigureOut">
               <a:rPr lang="en-US" smtClean="0"/>
-              <a:t>3/12/19</a:t>
+              <a:t>3/16/19</a:t>
             </a:fld>
             <a:endParaRPr lang="en-US"/>
           </a:p>
@@ -2548,7 +2548,7 @@
           <a:p>
             <a:fld id="{2C4BE8D5-BF98-1F4F-A43A-6FEDDCEE5F10}" type="datetimeFigureOut">
               <a:rPr lang="en-US" smtClean="0"/>
-              <a:t>3/12/19</a:t>
+              <a:t>3/16/19</a:t>
             </a:fld>
             <a:endParaRPr lang="en-US"/>
           </a:p>
@@ -2805,7 +2805,7 @@
           <a:p>
             <a:fld id="{2C4BE8D5-BF98-1F4F-A43A-6FEDDCEE5F10}" type="datetimeFigureOut">
               <a:rPr lang="en-US" smtClean="0"/>
-              <a:t>3/12/19</a:t>
+              <a:t>3/16/19</a:t>
             </a:fld>
             <a:endParaRPr lang="en-US"/>
           </a:p>
@@ -3018,7 +3018,7 @@
           <a:p>
             <a:fld id="{2C4BE8D5-BF98-1F4F-A43A-6FEDDCEE5F10}" type="datetimeFigureOut">
               <a:rPr lang="en-US" smtClean="0"/>
-              <a:t>3/12/19</a:t>
+              <a:t>3/16/19</a:t>
             </a:fld>
             <a:endParaRPr lang="en-US"/>
           </a:p>
@@ -3423,6 +3423,147 @@
           <a:chExt cx="0" cy="0"/>
         </a:xfrm>
       </p:grpSpPr>
+      <p:pic>
+        <p:nvPicPr>
+          <p:cNvPr id="2" name="Picture 1">
+            <a:extLst>
+              <a:ext uri="{FF2B5EF4-FFF2-40B4-BE49-F238E27FC236}">
+                <a16:creationId xmlns:a16="http://schemas.microsoft.com/office/drawing/2014/main" id="{F606307E-DA59-9243-AF5C-AEDEDFEAD2AD}"/>
+              </a:ext>
+            </a:extLst>
+          </p:cNvPr>
+          <p:cNvPicPr>
+            <a:picLocks noChangeAspect="1"/>
+          </p:cNvPicPr>
+          <p:nvPr/>
+        </p:nvPicPr>
+        <p:blipFill>
+          <a:blip r:embed="rId3"/>
+          <a:stretch>
+            <a:fillRect/>
+          </a:stretch>
+        </p:blipFill>
+        <p:spPr>
+          <a:xfrm>
+            <a:off x="11023622" y="5175561"/>
+            <a:ext cx="8610600" cy="13106400"/>
+          </a:xfrm>
+          <a:prstGeom prst="rect">
+            <a:avLst/>
+          </a:prstGeom>
+        </p:spPr>
+      </p:pic>
+      <p:sp>
+        <p:nvSpPr>
+          <p:cNvPr id="44" name="TextBox 43">
+            <a:extLst>
+              <a:ext uri="{FF2B5EF4-FFF2-40B4-BE49-F238E27FC236}">
+                <a16:creationId xmlns:a16="http://schemas.microsoft.com/office/drawing/2014/main" id="{281FA909-FAC9-F245-8CE3-E0454F4E8108}"/>
+              </a:ext>
+            </a:extLst>
+          </p:cNvPr>
+          <p:cNvSpPr txBox="1"/>
+          <p:nvPr/>
+        </p:nvSpPr>
+        <p:spPr>
+          <a:xfrm>
+            <a:off x="19696491" y="12406400"/>
+            <a:ext cx="13221909" cy="9539200"/>
+          </a:xfrm>
+          <a:prstGeom prst="rect">
+            <a:avLst/>
+          </a:prstGeom>
+          <a:solidFill>
+            <a:schemeClr val="accent1">
+              <a:lumMod val="20000"/>
+              <a:lumOff val="80000"/>
+            </a:schemeClr>
+          </a:solidFill>
+        </p:spPr>
+        <p:txBody>
+          <a:bodyPr wrap="square" rtlCol="0">
+            <a:spAutoFit/>
+          </a:bodyPr>
+          <a:lstStyle/>
+          <a:p>
+            <a:endParaRPr lang="en-US" dirty="0"/>
+          </a:p>
+        </p:txBody>
+      </p:sp>
+      <p:sp>
+        <p:nvSpPr>
+          <p:cNvPr id="41" name="TextBox 40">
+            <a:extLst>
+              <a:ext uri="{FF2B5EF4-FFF2-40B4-BE49-F238E27FC236}">
+                <a16:creationId xmlns:a16="http://schemas.microsoft.com/office/drawing/2014/main" id="{4D3A4D75-0582-2D49-B381-17CCFEA245F7}"/>
+              </a:ext>
+            </a:extLst>
+          </p:cNvPr>
+          <p:cNvSpPr txBox="1"/>
+          <p:nvPr/>
+        </p:nvSpPr>
+        <p:spPr>
+          <a:xfrm>
+            <a:off x="0" y="8815205"/>
+            <a:ext cx="10972799" cy="10515600"/>
+          </a:xfrm>
+          <a:prstGeom prst="rect">
+            <a:avLst/>
+          </a:prstGeom>
+          <a:solidFill>
+            <a:schemeClr val="accent4">
+              <a:lumMod val="20000"/>
+              <a:lumOff val="80000"/>
+            </a:schemeClr>
+          </a:solidFill>
+        </p:spPr>
+        <p:txBody>
+          <a:bodyPr wrap="square" rtlCol="0">
+            <a:spAutoFit/>
+          </a:bodyPr>
+          <a:lstStyle/>
+          <a:p>
+            <a:endParaRPr lang="en-US" dirty="0"/>
+          </a:p>
+        </p:txBody>
+      </p:sp>
+      <p:sp>
+        <p:nvSpPr>
+          <p:cNvPr id="40" name="TextBox 39">
+            <a:extLst>
+              <a:ext uri="{FF2B5EF4-FFF2-40B4-BE49-F238E27FC236}">
+                <a16:creationId xmlns:a16="http://schemas.microsoft.com/office/drawing/2014/main" id="{EEE0AB1A-7141-A748-A367-CC37E7C17B79}"/>
+              </a:ext>
+            </a:extLst>
+          </p:cNvPr>
+          <p:cNvSpPr txBox="1"/>
+          <p:nvPr/>
+        </p:nvSpPr>
+        <p:spPr>
+          <a:xfrm>
+            <a:off x="19696494" y="8542477"/>
+            <a:ext cx="13221905" cy="3183029"/>
+          </a:xfrm>
+          <a:prstGeom prst="rect">
+            <a:avLst/>
+          </a:prstGeom>
+          <a:solidFill>
+            <a:schemeClr val="accent6">
+              <a:lumMod val="20000"/>
+              <a:lumOff val="80000"/>
+            </a:schemeClr>
+          </a:solidFill>
+        </p:spPr>
+        <p:txBody>
+          <a:bodyPr wrap="square" rtlCol="0">
+            <a:spAutoFit/>
+          </a:bodyPr>
+          <a:lstStyle/>
+          <a:p>
+            <a:endParaRPr lang="en-US" dirty="0"/>
+          </a:p>
+        </p:txBody>
+      </p:sp>
       <p:sp>
         <p:nvSpPr>
           <p:cNvPr id="4" name="Rectangle 3"/>
@@ -3514,8 +3655,8 @@
         </p:nvSpPr>
         <p:spPr>
           <a:xfrm>
-            <a:off x="11535862" y="10096499"/>
-            <a:ext cx="21382538" cy="733956"/>
+            <a:off x="19696494" y="11672443"/>
+            <a:ext cx="13221909" cy="733957"/>
           </a:xfrm>
           <a:prstGeom prst="rect">
             <a:avLst/>
@@ -3571,7 +3712,7 @@
           <p:nvPr/>
         </p:nvPicPr>
         <p:blipFill>
-          <a:blip r:embed="rId3">
+          <a:blip r:embed="rId4">
             <a:extLst>
               <a:ext uri="{28A0092B-C50C-407E-A947-70E740481C1C}">
                 <a14:useLocalDpi xmlns:a14="http://schemas.microsoft.com/office/drawing/2010/main" val="0"/>
@@ -3598,14 +3739,14 @@
           <a:effectLst/>
           <a:extLst>
             <a:ext uri="{909E8E84-426E-40dd-AFC4-6F175D3DCCD1}">
-              <a14:hiddenFill xmlns:a14="http://schemas.microsoft.com/office/drawing/2010/main" xmlns="">
+              <a14:hiddenFill xmlns="" xmlns:a14="http://schemas.microsoft.com/office/drawing/2010/main">
                 <a:solidFill>
                   <a:srgbClr val="FFFFFF"/>
                 </a:solidFill>
               </a14:hiddenFill>
             </a:ext>
             <a:ext uri="{91240B29-F687-4f45-9708-019B960494DF}">
-              <a14:hiddenLine xmlns:a14="http://schemas.microsoft.com/office/drawing/2010/main" xmlns="" w="25400" algn="ctr">
+              <a14:hiddenLine xmlns="" xmlns:a14="http://schemas.microsoft.com/office/drawing/2010/main" w="25400" algn="ctr">
                 <a:solidFill>
                   <a:srgbClr val="212120"/>
                 </a:solidFill>
@@ -3615,7 +3756,7 @@
               </a14:hiddenLine>
             </a:ext>
             <a:ext uri="{AF507438-7753-43e0-B8FC-AC1667EBCBE1}">
-              <a14:hiddenEffects xmlns:a14="http://schemas.microsoft.com/office/drawing/2010/main" xmlns="">
+              <a14:hiddenEffects xmlns="" xmlns:a14="http://schemas.microsoft.com/office/drawing/2010/main">
                 <a:effectLst>
                   <a:outerShdw dist="35921" dir="2700000" algn="ctr" rotWithShape="0">
                     <a:srgbClr val="F4EFDB"/>
@@ -3635,7 +3776,7 @@
         <p:spPr>
           <a:xfrm>
             <a:off x="0" y="3707885"/>
-            <a:ext cx="11236792" cy="733956"/>
+            <a:ext cx="10958286" cy="733956"/>
           </a:xfrm>
           <a:prstGeom prst="rect">
             <a:avLst/>
@@ -3646,11 +3787,7 @@
             </a:schemeClr>
           </a:solidFill>
           <a:ln>
-            <a:solidFill>
-              <a:schemeClr val="bg2">
-                <a:lumMod val="75000"/>
-              </a:schemeClr>
-            </a:solidFill>
+            <a:noFill/>
           </a:ln>
         </p:spPr>
         <p:style>
@@ -3704,8 +3841,8 @@
         </p:nvSpPr>
         <p:spPr>
           <a:xfrm>
-            <a:off x="0" y="12340563"/>
-            <a:ext cx="11230615" cy="730301"/>
+            <a:off x="0" y="8086602"/>
+            <a:ext cx="10972800" cy="733956"/>
           </a:xfrm>
           <a:prstGeom prst="rect">
             <a:avLst/>
@@ -3752,8 +3889,8 @@
         </p:nvSpPr>
         <p:spPr>
           <a:xfrm>
-            <a:off x="11535862" y="3713074"/>
-            <a:ext cx="21382536" cy="728767"/>
+            <a:off x="10943773" y="3707886"/>
+            <a:ext cx="21974628" cy="733956"/>
           </a:xfrm>
           <a:prstGeom prst="rect">
             <a:avLst/>
@@ -3800,8 +3937,8 @@
         </p:nvSpPr>
         <p:spPr>
           <a:xfrm>
-            <a:off x="11535862" y="18864094"/>
-            <a:ext cx="11442124" cy="733956"/>
+            <a:off x="-40733" y="19334778"/>
+            <a:ext cx="11013532" cy="720202"/>
           </a:xfrm>
           <a:prstGeom prst="rect">
             <a:avLst/>
@@ -3812,11 +3949,7 @@
             </a:schemeClr>
           </a:solidFill>
           <a:ln>
-            <a:solidFill>
-              <a:schemeClr val="bg2">
-                <a:lumMod val="75000"/>
-              </a:schemeClr>
-            </a:solidFill>
+            <a:noFill/>
           </a:ln>
         </p:spPr>
         <p:style>
@@ -3850,16 +3983,695 @@
           </a:p>
         </p:txBody>
       </p:sp>
-      <p:sp>
-        <p:nvSpPr>
-          <p:cNvPr id="43" name="Rectangle 42"/>
+      <p:pic>
+        <p:nvPicPr>
+          <p:cNvPr id="25" name="Picture 24">
+            <a:extLst>
+              <a:ext uri="{FF2B5EF4-FFF2-40B4-BE49-F238E27FC236}">
+                <a16:creationId xmlns:a16="http://schemas.microsoft.com/office/drawing/2014/main" id="{E98F1328-0EA3-004F-A5D2-C3369A01B448}"/>
+              </a:ext>
+            </a:extLst>
+          </p:cNvPr>
+          <p:cNvPicPr>
+            <a:picLocks noChangeAspect="1"/>
+          </p:cNvPicPr>
+          <p:nvPr/>
+        </p:nvPicPr>
+        <p:blipFill>
+          <a:blip r:embed="rId5"/>
+          <a:stretch>
+            <a:fillRect/>
+          </a:stretch>
+        </p:blipFill>
+        <p:spPr>
+          <a:xfrm>
+            <a:off x="23031996" y="443119"/>
+            <a:ext cx="6315294" cy="1720789"/>
+          </a:xfrm>
+          <a:prstGeom prst="rect">
+            <a:avLst/>
+          </a:prstGeom>
+        </p:spPr>
+      </p:pic>
+      <p:sp>
+        <p:nvSpPr>
+          <p:cNvPr id="26" name="TextBox 25">
+            <a:extLst>
+              <a:ext uri="{FF2B5EF4-FFF2-40B4-BE49-F238E27FC236}">
+                <a16:creationId xmlns:a16="http://schemas.microsoft.com/office/drawing/2014/main" id="{86B9C19B-018B-7F4B-9A72-1628AC9AA7B4}"/>
+              </a:ext>
+            </a:extLst>
+          </p:cNvPr>
+          <p:cNvSpPr txBox="1"/>
+          <p:nvPr/>
+        </p:nvSpPr>
+        <p:spPr>
+          <a:xfrm>
+            <a:off x="-40733" y="2275387"/>
+            <a:ext cx="18506533" cy="1323439"/>
+          </a:xfrm>
+          <a:prstGeom prst="rect">
+            <a:avLst/>
+          </a:prstGeom>
+          <a:noFill/>
+        </p:spPr>
+        <p:txBody>
+          <a:bodyPr wrap="square" rtlCol="0">
+            <a:spAutoFit/>
+          </a:bodyPr>
+          <a:lstStyle/>
+          <a:p>
+            <a:r>
+              <a:rPr lang="en-US" sz="4800" dirty="0"/>
+              <a:t>Nicholas Gaudio, Akash Levy, Jonas Messner, </a:t>
+            </a:r>
+            <a:r>
+              <a:rPr lang="en-US" sz="3200" dirty="0"/>
+              <a:t>{nsgaudio, akashl, messnerj}@stanford.edu</a:t>
+            </a:r>
+          </a:p>
+          <a:p>
+            <a:r>
+              <a:rPr lang="en-US" sz="3200" dirty="0"/>
+              <a:t>Department of Electrical Engineering, Stanford University</a:t>
+            </a:r>
+          </a:p>
+        </p:txBody>
+      </p:sp>
+      <p:sp>
+        <p:nvSpPr>
+          <p:cNvPr id="11" name="TextBox 10"/>
+          <p:cNvSpPr txBox="1"/>
+          <p:nvPr/>
+        </p:nvSpPr>
+        <p:spPr>
+          <a:xfrm>
+            <a:off x="-105756" y="4714957"/>
+            <a:ext cx="11442125" cy="1338828"/>
+          </a:xfrm>
+          <a:prstGeom prst="rect">
+            <a:avLst/>
+          </a:prstGeom>
+          <a:noFill/>
+        </p:spPr>
+        <p:txBody>
+          <a:bodyPr wrap="square" rtlCol="0">
+            <a:spAutoFit/>
+          </a:bodyPr>
+          <a:lstStyle/>
+          <a:p>
+            <a:pPr marL="457200" indent="-457200">
+              <a:buFont typeface="Arial"/>
+              <a:buChar char="•"/>
+            </a:pPr>
+            <a:endParaRPr lang="en-US" sz="2700" dirty="0"/>
+          </a:p>
+          <a:p>
+            <a:pPr marL="457200" indent="-457200">
+              <a:buFont typeface="Arial"/>
+              <a:buChar char="•"/>
+            </a:pPr>
+            <a:endParaRPr lang="en-US" sz="2700" dirty="0"/>
+          </a:p>
+          <a:p>
+            <a:pPr marL="457200" indent="-457200">
+              <a:buFont typeface="Arial"/>
+              <a:buChar char="•"/>
+            </a:pPr>
+            <a:r>
+              <a:rPr lang="en-US" sz="2700" dirty="0"/>
+              <a:t>/m,/.m/</a:t>
+            </a:r>
+          </a:p>
+        </p:txBody>
+      </p:sp>
+      <p:pic>
+        <p:nvPicPr>
+          <p:cNvPr id="20" name="Picture 2" descr="Image result for stanford computer science"/>
+          <p:cNvPicPr>
+            <a:picLocks noChangeAspect="1" noChangeArrowheads="1"/>
+          </p:cNvPicPr>
+          <p:nvPr/>
+        </p:nvPicPr>
+        <p:blipFill>
+          <a:blip r:embed="rId6">
+            <a:extLst>
+              <a:ext uri="{28A0092B-C50C-407E-A947-70E740481C1C}">
+                <a14:useLocalDpi xmlns:a14="http://schemas.microsoft.com/office/drawing/2010/main" val="0"/>
+              </a:ext>
+            </a:extLst>
+          </a:blip>
+          <a:srcRect/>
+          <a:stretch>
+            <a:fillRect/>
+          </a:stretch>
+        </p:blipFill>
+        <p:spPr bwMode="auto">
+          <a:xfrm>
+            <a:off x="23315702" y="2155020"/>
+            <a:ext cx="5891123" cy="1141563"/>
+          </a:xfrm>
+          <a:prstGeom prst="rect">
+            <a:avLst/>
+          </a:prstGeom>
+          <a:noFill/>
+          <a:extLst>
+            <a:ext uri="{909E8E84-426E-40dd-AFC4-6F175D3DCCD1}">
+              <a14:hiddenFill xmlns="" xmlns:a14="http://schemas.microsoft.com/office/drawing/2010/main">
+                <a:solidFill>
+                  <a:srgbClr val="FFFFFF"/>
+                </a:solidFill>
+              </a14:hiddenFill>
+            </a:ext>
+          </a:extLst>
+        </p:spPr>
+      </p:pic>
+      <p:pic>
+        <p:nvPicPr>
+          <p:cNvPr id="3" name="Picture 2">
+            <a:extLst>
+              <a:ext uri="{FF2B5EF4-FFF2-40B4-BE49-F238E27FC236}">
+                <a16:creationId xmlns:a16="http://schemas.microsoft.com/office/drawing/2014/main" id="{C1D78B46-B058-8447-9199-A270C67B3763}"/>
+              </a:ext>
+            </a:extLst>
+          </p:cNvPr>
+          <p:cNvPicPr>
+            <a:picLocks noChangeAspect="1"/>
+          </p:cNvPicPr>
+          <p:nvPr/>
+        </p:nvPicPr>
+        <p:blipFill>
+          <a:blip r:embed="rId7"/>
+          <a:stretch>
+            <a:fillRect/>
+          </a:stretch>
+        </p:blipFill>
+        <p:spPr>
+          <a:xfrm>
+            <a:off x="14514" y="10694577"/>
+            <a:ext cx="3657600" cy="4114800"/>
+          </a:xfrm>
+          <a:prstGeom prst="rect">
+            <a:avLst/>
+          </a:prstGeom>
+        </p:spPr>
+      </p:pic>
+      <p:pic>
+        <p:nvPicPr>
+          <p:cNvPr id="6" name="Picture 5">
+            <a:extLst>
+              <a:ext uri="{FF2B5EF4-FFF2-40B4-BE49-F238E27FC236}">
+                <a16:creationId xmlns:a16="http://schemas.microsoft.com/office/drawing/2014/main" id="{AF3902E5-2353-824A-8133-952A3D69173F}"/>
+              </a:ext>
+            </a:extLst>
+          </p:cNvPr>
+          <p:cNvPicPr>
+            <a:picLocks noChangeAspect="1"/>
+          </p:cNvPicPr>
+          <p:nvPr/>
+        </p:nvPicPr>
+        <p:blipFill>
+          <a:blip r:embed="rId8"/>
+          <a:stretch>
+            <a:fillRect/>
+          </a:stretch>
+        </p:blipFill>
+        <p:spPr>
+          <a:xfrm>
+            <a:off x="14514" y="15334781"/>
+            <a:ext cx="3657600" cy="4114800"/>
+          </a:xfrm>
+          <a:prstGeom prst="rect">
+            <a:avLst/>
+          </a:prstGeom>
+        </p:spPr>
+      </p:pic>
+      <p:pic>
+        <p:nvPicPr>
+          <p:cNvPr id="7" name="Picture 6">
+            <a:extLst>
+              <a:ext uri="{FF2B5EF4-FFF2-40B4-BE49-F238E27FC236}">
+                <a16:creationId xmlns:a16="http://schemas.microsoft.com/office/drawing/2014/main" id="{1FA9E2F6-6A21-AC41-B9AA-908845DB6DAF}"/>
+              </a:ext>
+            </a:extLst>
+          </p:cNvPr>
+          <p:cNvPicPr>
+            <a:picLocks noChangeAspect="1"/>
+          </p:cNvPicPr>
+          <p:nvPr/>
+        </p:nvPicPr>
+        <p:blipFill>
+          <a:blip r:embed="rId9"/>
+          <a:stretch>
+            <a:fillRect/>
+          </a:stretch>
+        </p:blipFill>
+        <p:spPr>
+          <a:xfrm>
+            <a:off x="3657600" y="10694577"/>
+            <a:ext cx="3657600" cy="4114800"/>
+          </a:xfrm>
+          <a:prstGeom prst="rect">
+            <a:avLst/>
+          </a:prstGeom>
+        </p:spPr>
+      </p:pic>
+      <p:pic>
+        <p:nvPicPr>
+          <p:cNvPr id="8" name="Picture 7">
+            <a:extLst>
+              <a:ext uri="{FF2B5EF4-FFF2-40B4-BE49-F238E27FC236}">
+                <a16:creationId xmlns:a16="http://schemas.microsoft.com/office/drawing/2014/main" id="{88228EB5-F55A-664E-ADC1-C1B4780B2EC5}"/>
+              </a:ext>
+            </a:extLst>
+          </p:cNvPr>
+          <p:cNvPicPr>
+            <a:picLocks noChangeAspect="1"/>
+          </p:cNvPicPr>
+          <p:nvPr/>
+        </p:nvPicPr>
+        <p:blipFill>
+          <a:blip r:embed="rId10"/>
+          <a:stretch>
+            <a:fillRect/>
+          </a:stretch>
+        </p:blipFill>
+        <p:spPr>
+          <a:xfrm>
+            <a:off x="3657600" y="15334781"/>
+            <a:ext cx="3657600" cy="4114800"/>
+          </a:xfrm>
+          <a:prstGeom prst="rect">
+            <a:avLst/>
+          </a:prstGeom>
+        </p:spPr>
+      </p:pic>
+      <p:pic>
+        <p:nvPicPr>
+          <p:cNvPr id="9" name="Picture 8">
+            <a:extLst>
+              <a:ext uri="{FF2B5EF4-FFF2-40B4-BE49-F238E27FC236}">
+                <a16:creationId xmlns:a16="http://schemas.microsoft.com/office/drawing/2014/main" id="{F3205EEF-EBEA-A84B-9527-C456420241B1}"/>
+              </a:ext>
+            </a:extLst>
+          </p:cNvPr>
+          <p:cNvPicPr>
+            <a:picLocks noChangeAspect="1"/>
+          </p:cNvPicPr>
+          <p:nvPr/>
+        </p:nvPicPr>
+        <p:blipFill>
+          <a:blip r:embed="rId11"/>
+          <a:stretch>
+            <a:fillRect/>
+          </a:stretch>
+        </p:blipFill>
+        <p:spPr>
+          <a:xfrm>
+            <a:off x="7315200" y="10694577"/>
+            <a:ext cx="3657600" cy="4114800"/>
+          </a:xfrm>
+          <a:prstGeom prst="rect">
+            <a:avLst/>
+          </a:prstGeom>
+        </p:spPr>
+      </p:pic>
+      <p:pic>
+        <p:nvPicPr>
+          <p:cNvPr id="10" name="Picture 9">
+            <a:extLst>
+              <a:ext uri="{FF2B5EF4-FFF2-40B4-BE49-F238E27FC236}">
+                <a16:creationId xmlns:a16="http://schemas.microsoft.com/office/drawing/2014/main" id="{3B31ACF7-55A7-1841-B592-138F30200192}"/>
+              </a:ext>
+            </a:extLst>
+          </p:cNvPr>
+          <p:cNvPicPr>
+            <a:picLocks noChangeAspect="1"/>
+          </p:cNvPicPr>
+          <p:nvPr/>
+        </p:nvPicPr>
+        <p:blipFill>
+          <a:blip r:embed="rId12"/>
+          <a:stretch>
+            <a:fillRect/>
+          </a:stretch>
+        </p:blipFill>
+        <p:spPr>
+          <a:xfrm>
+            <a:off x="7300686" y="15334781"/>
+            <a:ext cx="3657600" cy="4114800"/>
+          </a:xfrm>
+          <a:prstGeom prst="rect">
+            <a:avLst/>
+          </a:prstGeom>
+        </p:spPr>
+      </p:pic>
+      <p:sp>
+        <p:nvSpPr>
+          <p:cNvPr id="24" name="TextBox 23">
+            <a:extLst>
+              <a:ext uri="{FF2B5EF4-FFF2-40B4-BE49-F238E27FC236}">
+                <a16:creationId xmlns:a16="http://schemas.microsoft.com/office/drawing/2014/main" id="{EEB908BB-C7B0-1740-AD02-1016CCD19A4A}"/>
+              </a:ext>
+            </a:extLst>
+          </p:cNvPr>
+          <p:cNvSpPr txBox="1"/>
+          <p:nvPr/>
+        </p:nvSpPr>
+        <p:spPr>
+          <a:xfrm>
+            <a:off x="14514" y="10235885"/>
+            <a:ext cx="3657600" cy="400110"/>
+          </a:xfrm>
+          <a:prstGeom prst="rect">
+            <a:avLst/>
+          </a:prstGeom>
+          <a:noFill/>
+        </p:spPr>
+        <p:txBody>
+          <a:bodyPr wrap="square" rtlCol="0">
+            <a:spAutoFit/>
+          </a:bodyPr>
+          <a:lstStyle/>
+          <a:p>
+            <a:pPr algn="ctr"/>
+            <a:r>
+              <a:rPr lang="en-US" sz="2000" dirty="0">
+                <a:latin typeface="Times New Roman" panose="02020603050405020304" pitchFamily="18" charset="0"/>
+                <a:cs typeface="Times New Roman" panose="02020603050405020304" pitchFamily="18" charset="0"/>
+              </a:rPr>
+              <a:t>“Walking” time trace</a:t>
+            </a:r>
+          </a:p>
+        </p:txBody>
+      </p:sp>
+      <p:sp>
+        <p:nvSpPr>
+          <p:cNvPr id="27" name="TextBox 26">
+            <a:extLst>
+              <a:ext uri="{FF2B5EF4-FFF2-40B4-BE49-F238E27FC236}">
+                <a16:creationId xmlns:a16="http://schemas.microsoft.com/office/drawing/2014/main" id="{819E89E1-A9A4-A945-B51D-D7CCFE8352EF}"/>
+              </a:ext>
+            </a:extLst>
+          </p:cNvPr>
+          <p:cNvSpPr txBox="1"/>
+          <p:nvPr/>
+        </p:nvSpPr>
+        <p:spPr>
+          <a:xfrm>
+            <a:off x="3786506" y="10238266"/>
+            <a:ext cx="3657600" cy="400110"/>
+          </a:xfrm>
+          <a:prstGeom prst="rect">
+            <a:avLst/>
+          </a:prstGeom>
+          <a:noFill/>
+        </p:spPr>
+        <p:txBody>
+          <a:bodyPr wrap="square" rtlCol="0">
+            <a:spAutoFit/>
+          </a:bodyPr>
+          <a:lstStyle/>
+          <a:p>
+            <a:pPr algn="ctr"/>
+            <a:r>
+              <a:rPr lang="en-US" sz="2000" dirty="0">
+                <a:latin typeface="Times New Roman" panose="02020603050405020304" pitchFamily="18" charset="0"/>
+                <a:cs typeface="Times New Roman" panose="02020603050405020304" pitchFamily="18" charset="0"/>
+              </a:rPr>
+              <a:t>“Sitting” time trace</a:t>
+            </a:r>
+          </a:p>
+        </p:txBody>
+      </p:sp>
+      <p:sp>
+        <p:nvSpPr>
+          <p:cNvPr id="29" name="TextBox 28">
+            <a:extLst>
+              <a:ext uri="{FF2B5EF4-FFF2-40B4-BE49-F238E27FC236}">
+                <a16:creationId xmlns:a16="http://schemas.microsoft.com/office/drawing/2014/main" id="{3F91C376-7895-0744-B092-7CC699AE9CE5}"/>
+              </a:ext>
+            </a:extLst>
+          </p:cNvPr>
+          <p:cNvSpPr txBox="1"/>
+          <p:nvPr/>
+        </p:nvSpPr>
+        <p:spPr>
+          <a:xfrm>
+            <a:off x="7315200" y="10235885"/>
+            <a:ext cx="3657600" cy="400110"/>
+          </a:xfrm>
+          <a:prstGeom prst="rect">
+            <a:avLst/>
+          </a:prstGeom>
+          <a:noFill/>
+        </p:spPr>
+        <p:txBody>
+          <a:bodyPr wrap="square" rtlCol="0">
+            <a:spAutoFit/>
+          </a:bodyPr>
+          <a:lstStyle/>
+          <a:p>
+            <a:pPr algn="ctr"/>
+            <a:r>
+              <a:rPr lang="en-US" sz="2000" dirty="0">
+                <a:latin typeface="Times New Roman" panose="02020603050405020304" pitchFamily="18" charset="0"/>
+                <a:cs typeface="Times New Roman" panose="02020603050405020304" pitchFamily="18" charset="0"/>
+              </a:rPr>
+              <a:t>“Standing” time trace</a:t>
+            </a:r>
+          </a:p>
+        </p:txBody>
+      </p:sp>
+      <p:sp>
+        <p:nvSpPr>
+          <p:cNvPr id="30" name="TextBox 29">
+            <a:extLst>
+              <a:ext uri="{FF2B5EF4-FFF2-40B4-BE49-F238E27FC236}">
+                <a16:creationId xmlns:a16="http://schemas.microsoft.com/office/drawing/2014/main" id="{7671C984-0E13-3244-BF6C-C047C7EB5E28}"/>
+              </a:ext>
+            </a:extLst>
+          </p:cNvPr>
+          <p:cNvSpPr txBox="1"/>
+          <p:nvPr/>
+        </p:nvSpPr>
+        <p:spPr>
+          <a:xfrm>
+            <a:off x="0" y="14933768"/>
+            <a:ext cx="3657600" cy="400110"/>
+          </a:xfrm>
+          <a:prstGeom prst="rect">
+            <a:avLst/>
+          </a:prstGeom>
+          <a:noFill/>
+        </p:spPr>
+        <p:txBody>
+          <a:bodyPr wrap="square" rtlCol="0">
+            <a:spAutoFit/>
+          </a:bodyPr>
+          <a:lstStyle/>
+          <a:p>
+            <a:pPr algn="ctr"/>
+            <a:r>
+              <a:rPr lang="en-US" sz="2000" dirty="0">
+                <a:latin typeface="Times New Roman" panose="02020603050405020304" pitchFamily="18" charset="0"/>
+                <a:cs typeface="Times New Roman" panose="02020603050405020304" pitchFamily="18" charset="0"/>
+              </a:rPr>
+              <a:t>“Walking” frequency spectrum</a:t>
+            </a:r>
+          </a:p>
+        </p:txBody>
+      </p:sp>
+      <p:sp>
+        <p:nvSpPr>
+          <p:cNvPr id="31" name="TextBox 30">
+            <a:extLst>
+              <a:ext uri="{FF2B5EF4-FFF2-40B4-BE49-F238E27FC236}">
+                <a16:creationId xmlns:a16="http://schemas.microsoft.com/office/drawing/2014/main" id="{F158CF53-13D4-0447-AE89-6D3314CEF1F7}"/>
+              </a:ext>
+            </a:extLst>
+          </p:cNvPr>
+          <p:cNvSpPr txBox="1"/>
+          <p:nvPr/>
+        </p:nvSpPr>
+        <p:spPr>
+          <a:xfrm>
+            <a:off x="3771992" y="14936149"/>
+            <a:ext cx="3657600" cy="400110"/>
+          </a:xfrm>
+          <a:prstGeom prst="rect">
+            <a:avLst/>
+          </a:prstGeom>
+          <a:noFill/>
+        </p:spPr>
+        <p:txBody>
+          <a:bodyPr wrap="square" rtlCol="0">
+            <a:spAutoFit/>
+          </a:bodyPr>
+          <a:lstStyle/>
+          <a:p>
+            <a:pPr algn="ctr"/>
+            <a:r>
+              <a:rPr lang="en-US" sz="2000" dirty="0">
+                <a:latin typeface="Times New Roman" panose="02020603050405020304" pitchFamily="18" charset="0"/>
+                <a:cs typeface="Times New Roman" panose="02020603050405020304" pitchFamily="18" charset="0"/>
+              </a:rPr>
+              <a:t>“Sitting” frequency spectrum</a:t>
+            </a:r>
+          </a:p>
+        </p:txBody>
+      </p:sp>
+      <p:sp>
+        <p:nvSpPr>
+          <p:cNvPr id="32" name="TextBox 31">
+            <a:extLst>
+              <a:ext uri="{FF2B5EF4-FFF2-40B4-BE49-F238E27FC236}">
+                <a16:creationId xmlns:a16="http://schemas.microsoft.com/office/drawing/2014/main" id="{09DF477D-E3D5-7742-8CFC-D80C4615AF74}"/>
+              </a:ext>
+            </a:extLst>
+          </p:cNvPr>
+          <p:cNvSpPr txBox="1"/>
+          <p:nvPr/>
+        </p:nvSpPr>
+        <p:spPr>
+          <a:xfrm>
+            <a:off x="7300686" y="14933768"/>
+            <a:ext cx="3657600" cy="400110"/>
+          </a:xfrm>
+          <a:prstGeom prst="rect">
+            <a:avLst/>
+          </a:prstGeom>
+          <a:noFill/>
+        </p:spPr>
+        <p:txBody>
+          <a:bodyPr wrap="square" rtlCol="0">
+            <a:spAutoFit/>
+          </a:bodyPr>
+          <a:lstStyle/>
+          <a:p>
+            <a:pPr algn="ctr"/>
+            <a:r>
+              <a:rPr lang="en-US" sz="2000" dirty="0">
+                <a:latin typeface="Times New Roman" panose="02020603050405020304" pitchFamily="18" charset="0"/>
+                <a:cs typeface="Times New Roman" panose="02020603050405020304" pitchFamily="18" charset="0"/>
+              </a:rPr>
+              <a:t>“Standing” frequency spectrum</a:t>
+            </a:r>
+          </a:p>
+        </p:txBody>
+      </p:sp>
+      <p:pic>
+        <p:nvPicPr>
+          <p:cNvPr id="12" name="Picture 11">
+            <a:extLst>
+              <a:ext uri="{FF2B5EF4-FFF2-40B4-BE49-F238E27FC236}">
+                <a16:creationId xmlns:a16="http://schemas.microsoft.com/office/drawing/2014/main" id="{7557CC8B-47F9-A14C-AF1A-D72FF25478AD}"/>
+              </a:ext>
+            </a:extLst>
+          </p:cNvPr>
+          <p:cNvPicPr>
+            <a:picLocks noChangeAspect="1"/>
+          </p:cNvPicPr>
+          <p:nvPr/>
+        </p:nvPicPr>
+        <p:blipFill>
+          <a:blip r:embed="rId13"/>
+          <a:stretch>
+            <a:fillRect/>
+          </a:stretch>
+        </p:blipFill>
+        <p:spPr>
+          <a:xfrm>
+            <a:off x="19696495" y="9094744"/>
+            <a:ext cx="4572000" cy="2493818"/>
+          </a:xfrm>
+          <a:prstGeom prst="rect">
+            <a:avLst/>
+          </a:prstGeom>
+        </p:spPr>
+      </p:pic>
+      <p:pic>
+        <p:nvPicPr>
+          <p:cNvPr id="13" name="Picture 12">
+            <a:extLst>
+              <a:ext uri="{FF2B5EF4-FFF2-40B4-BE49-F238E27FC236}">
+                <a16:creationId xmlns:a16="http://schemas.microsoft.com/office/drawing/2014/main" id="{8FB67901-EA7A-384D-B173-293770709FC3}"/>
+              </a:ext>
+            </a:extLst>
+          </p:cNvPr>
+          <p:cNvPicPr>
+            <a:picLocks noChangeAspect="1"/>
+          </p:cNvPicPr>
+          <p:nvPr/>
+        </p:nvPicPr>
+        <p:blipFill>
+          <a:blip r:embed="rId14"/>
+          <a:stretch>
+            <a:fillRect/>
+          </a:stretch>
+        </p:blipFill>
+        <p:spPr>
+          <a:xfrm>
+            <a:off x="24085274" y="9183468"/>
+            <a:ext cx="4572000" cy="2373923"/>
+          </a:xfrm>
+          <a:prstGeom prst="rect">
+            <a:avLst/>
+          </a:prstGeom>
+        </p:spPr>
+      </p:pic>
+      <p:sp>
+        <p:nvSpPr>
+          <p:cNvPr id="33" name="TextBox 32">
+            <a:extLst>
+              <a:ext uri="{FF2B5EF4-FFF2-40B4-BE49-F238E27FC236}">
+                <a16:creationId xmlns:a16="http://schemas.microsoft.com/office/drawing/2014/main" id="{15A36C3F-3A97-7D4C-8204-509AC4108C25}"/>
+              </a:ext>
+            </a:extLst>
+          </p:cNvPr>
+          <p:cNvSpPr txBox="1"/>
+          <p:nvPr/>
+        </p:nvSpPr>
+        <p:spPr>
+          <a:xfrm>
+            <a:off x="11241331" y="4466039"/>
+            <a:ext cx="8610602" cy="584775"/>
+          </a:xfrm>
+          <a:prstGeom prst="rect">
+            <a:avLst/>
+          </a:prstGeom>
+          <a:noFill/>
+        </p:spPr>
+        <p:txBody>
+          <a:bodyPr wrap="square" rtlCol="0">
+            <a:spAutoFit/>
+          </a:bodyPr>
+          <a:lstStyle/>
+          <a:p>
+            <a:pPr algn="ctr"/>
+            <a:r>
+              <a:rPr lang="en-US" sz="3200" dirty="0"/>
+              <a:t>Siamese (non-weight sharing) CNN</a:t>
+            </a:r>
+          </a:p>
+        </p:txBody>
+      </p:sp>
+      <p:sp>
+        <p:nvSpPr>
+          <p:cNvPr id="38" name="Rectangle 37">
+            <a:extLst>
+              <a:ext uri="{FF2B5EF4-FFF2-40B4-BE49-F238E27FC236}">
+                <a16:creationId xmlns:a16="http://schemas.microsoft.com/office/drawing/2014/main" id="{AFC7F421-E37D-6443-BA51-D3FA6E6318F7}"/>
+              </a:ext>
+            </a:extLst>
+          </p:cNvPr>
           <p:cNvSpPr/>
           <p:nvPr/>
         </p:nvSpPr>
         <p:spPr>
           <a:xfrm>
-            <a:off x="23332366" y="18853448"/>
-            <a:ext cx="9586034" cy="728768"/>
+            <a:off x="10972798" y="18752609"/>
+            <a:ext cx="8723690" cy="728768"/>
           </a:xfrm>
           <a:prstGeom prst="rect">
             <a:avLst/>
@@ -3870,11 +4682,7 @@
             </a:schemeClr>
           </a:solidFill>
           <a:ln>
-            <a:solidFill>
-              <a:schemeClr val="bg2">
-                <a:lumMod val="75000"/>
-              </a:schemeClr>
-            </a:solidFill>
+            <a:noFill/>
           </a:ln>
         </p:spPr>
         <p:style>
@@ -3908,12 +4716,651 @@
           </a:p>
         </p:txBody>
       </p:sp>
+      <p:sp>
+        <p:nvSpPr>
+          <p:cNvPr id="39" name="TextBox 38">
+            <a:extLst>
+              <a:ext uri="{FF2B5EF4-FFF2-40B4-BE49-F238E27FC236}">
+                <a16:creationId xmlns:a16="http://schemas.microsoft.com/office/drawing/2014/main" id="{A9F669BE-8609-D64C-99DB-772CC479F484}"/>
+              </a:ext>
+            </a:extLst>
+          </p:cNvPr>
+          <p:cNvSpPr txBox="1"/>
+          <p:nvPr/>
+        </p:nvSpPr>
+        <p:spPr>
+          <a:xfrm>
+            <a:off x="10972799" y="19518304"/>
+            <a:ext cx="8694665" cy="2431435"/>
+          </a:xfrm>
+          <a:prstGeom prst="rect">
+            <a:avLst/>
+          </a:prstGeom>
+          <a:noFill/>
+        </p:spPr>
+        <p:txBody>
+          <a:bodyPr wrap="square" rtlCol="0">
+            <a:spAutoFit/>
+          </a:bodyPr>
+          <a:lstStyle/>
+          <a:p>
+            <a:r>
+              <a:rPr lang="en-US" sz="800" dirty="0"/>
+              <a:t>[1] J.-L. Reyes-Ortiz, L. </a:t>
+            </a:r>
+            <a:r>
+              <a:rPr lang="en-US" sz="800" dirty="0" err="1"/>
+              <a:t>Oneto</a:t>
+            </a:r>
+            <a:r>
+              <a:rPr lang="en-US" sz="800" dirty="0"/>
+              <a:t>, A. </a:t>
+            </a:r>
+            <a:r>
+              <a:rPr lang="en-US" sz="800" dirty="0" err="1"/>
+              <a:t>Samà</a:t>
+            </a:r>
+            <a:r>
+              <a:rPr lang="en-US" sz="800" dirty="0"/>
+              <a:t>, X. Parra, and D. </a:t>
+            </a:r>
+            <a:r>
+              <a:rPr lang="en-US" sz="800" dirty="0" err="1"/>
+              <a:t>Anguita</a:t>
+            </a:r>
+            <a:r>
+              <a:rPr lang="en-US" sz="800" dirty="0"/>
+              <a:t>, “Transition-aware human activity recognition using smartphones,” </a:t>
+            </a:r>
+            <a:r>
+              <a:rPr lang="en-US" sz="800" i="1" dirty="0" err="1"/>
+              <a:t>Neurocomput</a:t>
+            </a:r>
+            <a:r>
+              <a:rPr lang="en-US" sz="800" dirty="0"/>
+              <a:t>., vol. 171, pp. 754–767, Jan. 2016.</a:t>
+            </a:r>
+          </a:p>
+          <a:p>
+            <a:r>
+              <a:rPr lang="en-US" sz="800" dirty="0"/>
+              <a:t>[2] P. </a:t>
+            </a:r>
+            <a:r>
+              <a:rPr lang="en-US" sz="800" dirty="0" err="1"/>
+              <a:t>Kasnesis</a:t>
+            </a:r>
+            <a:r>
+              <a:rPr lang="en-US" sz="800" dirty="0"/>
+              <a:t>, C. Z. </a:t>
+            </a:r>
+            <a:r>
+              <a:rPr lang="en-US" sz="800" dirty="0" err="1"/>
+              <a:t>Patrikakis</a:t>
+            </a:r>
+            <a:r>
+              <a:rPr lang="en-US" sz="800" dirty="0"/>
+              <a:t>, and I. S. </a:t>
+            </a:r>
+            <a:r>
+              <a:rPr lang="en-US" sz="800" dirty="0" err="1"/>
+              <a:t>Venieris</a:t>
+            </a:r>
+            <a:r>
+              <a:rPr lang="en-US" sz="800" dirty="0"/>
+              <a:t>, “</a:t>
+            </a:r>
+            <a:r>
+              <a:rPr lang="en-US" sz="800" dirty="0" err="1"/>
+              <a:t>Perceptionnet</a:t>
+            </a:r>
+            <a:r>
+              <a:rPr lang="en-US" sz="800" dirty="0"/>
+              <a:t>: A deep convolutional neural network for late sensor fusion,” </a:t>
+            </a:r>
+            <a:r>
+              <a:rPr lang="en-US" sz="800" i="1" dirty="0" err="1"/>
+              <a:t>CoRR</a:t>
+            </a:r>
+            <a:r>
+              <a:rPr lang="en-US" sz="800" dirty="0"/>
+              <a:t>, vol. abs/1811.00170, 2018.</a:t>
+            </a:r>
+          </a:p>
+          <a:p>
+            <a:r>
+              <a:rPr lang="en-US" sz="800" dirty="0"/>
+              <a:t>[3] C. A. J. O. D. Fuentes, L. Gonzalez-Abril, “Online motion recognition using an accelerometer in a mobile device,” </a:t>
+            </a:r>
+            <a:r>
+              <a:rPr lang="en-US" sz="800" i="1" dirty="0"/>
+              <a:t>Expert systems with applications</a:t>
+            </a:r>
+            <a:r>
+              <a:rPr lang="en-US" sz="800" dirty="0"/>
+              <a:t>, 2011.</a:t>
+            </a:r>
+          </a:p>
+          <a:p>
+            <a:r>
+              <a:rPr lang="en-US" sz="800" dirty="0"/>
+              <a:t>[4] M. </a:t>
+            </a:r>
+            <a:r>
+              <a:rPr lang="en-US" sz="800" dirty="0" err="1"/>
+              <a:t>Kose</a:t>
+            </a:r>
+            <a:r>
+              <a:rPr lang="en-US" sz="800" dirty="0"/>
+              <a:t>, O. </a:t>
+            </a:r>
+            <a:r>
+              <a:rPr lang="en-US" sz="800" dirty="0" err="1"/>
+              <a:t>Incel</a:t>
+            </a:r>
+            <a:r>
+              <a:rPr lang="en-US" sz="800" dirty="0"/>
+              <a:t>, and C. </a:t>
+            </a:r>
+            <a:r>
+              <a:rPr lang="en-US" sz="800" dirty="0" err="1"/>
+              <a:t>Ersoy</a:t>
+            </a:r>
+            <a:r>
+              <a:rPr lang="en-US" sz="800" dirty="0"/>
+              <a:t>, “Online human activity recognition on smart phones,” </a:t>
+            </a:r>
+            <a:r>
+              <a:rPr lang="en-US" sz="800" i="1" dirty="0"/>
+              <a:t>Workshop on Mobile Sensing: From Smartphones and Wearables to Big Data</a:t>
+            </a:r>
+            <a:r>
+              <a:rPr lang="en-US" sz="800" dirty="0"/>
+              <a:t>, 01 2012.</a:t>
+            </a:r>
+          </a:p>
+          <a:p>
+            <a:r>
+              <a:rPr lang="en-US" sz="800" dirty="0"/>
+              <a:t>[5] J. Qi, P. Yang, M. </a:t>
+            </a:r>
+            <a:r>
+              <a:rPr lang="en-US" sz="800" dirty="0" err="1"/>
+              <a:t>Hanneghan</a:t>
+            </a:r>
+            <a:r>
+              <a:rPr lang="en-US" sz="800" dirty="0"/>
+              <a:t>, and S. Tang, “Multiple density maps information fusion for effectively assessing intensity pattern of lifelogging physical activity,” </a:t>
+            </a:r>
+            <a:r>
+              <a:rPr lang="en-US" sz="800" i="1" dirty="0"/>
+              <a:t>Neurocomputing</a:t>
+            </a:r>
+            <a:r>
+              <a:rPr lang="en-US" sz="800" dirty="0"/>
+              <a:t>, vol. 220, pp. 199–209, 2017.</a:t>
+            </a:r>
+          </a:p>
+          <a:p>
+            <a:r>
+              <a:rPr lang="en-US" sz="800" dirty="0"/>
+              <a:t>[6] C. </a:t>
+            </a:r>
+            <a:r>
+              <a:rPr lang="en-US" sz="800" dirty="0" err="1"/>
+              <a:t>Reiff</a:t>
+            </a:r>
+            <a:r>
+              <a:rPr lang="en-US" sz="800" dirty="0"/>
+              <a:t>, K. Marlatt, and D. </a:t>
+            </a:r>
+            <a:r>
+              <a:rPr lang="en-US" sz="800" dirty="0" err="1"/>
+              <a:t>Dengel</a:t>
+            </a:r>
+            <a:r>
+              <a:rPr lang="en-US" sz="800" dirty="0"/>
+              <a:t>, “Difference in caloric expenditure in sitting versus standing desks,” </a:t>
+            </a:r>
+            <a:r>
+              <a:rPr lang="en-US" sz="800" i="1" dirty="0"/>
+              <a:t>Journal of physical activity &amp; health</a:t>
+            </a:r>
+            <a:r>
+              <a:rPr lang="en-US" sz="800" dirty="0"/>
+              <a:t>, vol. 9, pp. 1009–11, 09 2012.</a:t>
+            </a:r>
+          </a:p>
+          <a:p>
+            <a:r>
+              <a:rPr lang="en-US" sz="800" dirty="0"/>
+              <a:t>[7] D. </a:t>
+            </a:r>
+            <a:r>
+              <a:rPr lang="en-US" sz="800" dirty="0" err="1"/>
+              <a:t>Anguita</a:t>
+            </a:r>
+            <a:r>
+              <a:rPr lang="en-US" sz="800" dirty="0"/>
+              <a:t>, A. </a:t>
+            </a:r>
+            <a:r>
+              <a:rPr lang="en-US" sz="800" dirty="0" err="1"/>
+              <a:t>Ghio</a:t>
+            </a:r>
+            <a:r>
+              <a:rPr lang="en-US" sz="800" dirty="0"/>
+              <a:t>, L. </a:t>
+            </a:r>
+            <a:r>
+              <a:rPr lang="en-US" sz="800" dirty="0" err="1"/>
+              <a:t>Oneto</a:t>
+            </a:r>
+            <a:r>
+              <a:rPr lang="en-US" sz="800" dirty="0"/>
+              <a:t>, X. Parra, and J. L Reyes-Ortiz, “A public domain dataset for human activity recognition using smartphones,” </a:t>
+            </a:r>
+            <a:r>
+              <a:rPr lang="en-US" sz="800" i="1" dirty="0"/>
+              <a:t>21th European Symposium on Artificial Neural Networks, Computational Intelligence and Machine Learning, ESANN</a:t>
+            </a:r>
+            <a:r>
+              <a:rPr lang="en-US" sz="800" dirty="0"/>
+              <a:t>, 01 2013.</a:t>
+            </a:r>
+          </a:p>
+          <a:p>
+            <a:r>
+              <a:rPr lang="en-US" sz="800" dirty="0"/>
+              <a:t>[8] A. L. </a:t>
+            </a:r>
+            <a:r>
+              <a:rPr lang="en-US" sz="800" dirty="0" err="1"/>
+              <a:t>Guennec</a:t>
+            </a:r>
+            <a:r>
+              <a:rPr lang="en-US" sz="800" dirty="0"/>
+              <a:t>, S. Malinowski, and R. </a:t>
+            </a:r>
+            <a:r>
+              <a:rPr lang="en-US" sz="800" dirty="0" err="1"/>
+              <a:t>Tavenard</a:t>
+            </a:r>
+            <a:r>
+              <a:rPr lang="en-US" sz="800" dirty="0"/>
+              <a:t>, “Data augmentation for time series classification using convolutional neural networks</a:t>
+            </a:r>
+            <a:r>
+              <a:rPr lang="en-US" sz="800" i="1" dirty="0"/>
+              <a:t>,” ECML/PKDD Workshop on Advanced Analytics </a:t>
+            </a:r>
+            <a:r>
+              <a:rPr lang="en-US" sz="800" i="1" dirty="0" err="1"/>
+              <a:t>andLearning</a:t>
+            </a:r>
+            <a:r>
+              <a:rPr lang="en-US" sz="800" i="1" dirty="0"/>
+              <a:t> on Temporal Data</a:t>
+            </a:r>
+            <a:r>
+              <a:rPr lang="en-US" sz="800" dirty="0"/>
+              <a:t>, 2016.</a:t>
+            </a:r>
+          </a:p>
+          <a:p>
+            <a:r>
+              <a:rPr lang="en-US" sz="800" dirty="0"/>
+              <a:t>[9] F. </a:t>
+            </a:r>
+            <a:r>
+              <a:rPr lang="en-US" sz="800" dirty="0" err="1"/>
+              <a:t>Chollet</a:t>
+            </a:r>
+            <a:r>
+              <a:rPr lang="en-US" sz="800" dirty="0"/>
+              <a:t> </a:t>
+            </a:r>
+            <a:r>
+              <a:rPr lang="en-US" sz="800" i="1" dirty="0"/>
+              <a:t>et al</a:t>
+            </a:r>
+            <a:r>
+              <a:rPr lang="en-US" sz="800" dirty="0"/>
+              <a:t>., “</a:t>
+            </a:r>
+            <a:r>
+              <a:rPr lang="en-US" sz="800" dirty="0" err="1"/>
+              <a:t>Keras</a:t>
+            </a:r>
+            <a:r>
+              <a:rPr lang="en-US" sz="800" dirty="0"/>
+              <a:t>.” https://</a:t>
+            </a:r>
+            <a:r>
+              <a:rPr lang="en-US" sz="800" dirty="0" err="1"/>
+              <a:t>keras.io</a:t>
+            </a:r>
+            <a:r>
+              <a:rPr lang="en-US" sz="800" dirty="0"/>
+              <a:t>, 2015.</a:t>
+            </a:r>
+          </a:p>
+          <a:p>
+            <a:r>
+              <a:rPr lang="en-US" sz="800" dirty="0"/>
+              <a:t>[10] M. Abadi, A. Agarwal, P. Barham, E. </a:t>
+            </a:r>
+            <a:r>
+              <a:rPr lang="en-US" sz="800" dirty="0" err="1"/>
+              <a:t>Brevdo</a:t>
+            </a:r>
+            <a:r>
+              <a:rPr lang="en-US" sz="800" dirty="0"/>
+              <a:t>, Z. Chen, C. </a:t>
+            </a:r>
+            <a:r>
+              <a:rPr lang="en-US" sz="800" dirty="0" err="1"/>
+              <a:t>Citro</a:t>
+            </a:r>
+            <a:r>
+              <a:rPr lang="en-US" sz="800" dirty="0"/>
+              <a:t>, G. S. </a:t>
+            </a:r>
+            <a:r>
+              <a:rPr lang="en-US" sz="800" dirty="0" err="1"/>
+              <a:t>Corrado</a:t>
+            </a:r>
+            <a:r>
+              <a:rPr lang="en-US" sz="800" dirty="0"/>
+              <a:t>, A. Davis, J. Dean, M. Devin, S. Ghemawat, I. </a:t>
+            </a:r>
+            <a:r>
+              <a:rPr lang="en-US" sz="800" dirty="0" err="1"/>
+              <a:t>Goodfellow</a:t>
+            </a:r>
+            <a:r>
+              <a:rPr lang="en-US" sz="800" dirty="0"/>
+              <a:t>, A. Harp, G. Irving, M. </a:t>
+            </a:r>
+            <a:r>
+              <a:rPr lang="en-US" sz="800" dirty="0" err="1"/>
+              <a:t>Isard</a:t>
+            </a:r>
+            <a:r>
+              <a:rPr lang="en-US" sz="800" dirty="0"/>
+              <a:t>, Y. Jia, R. </a:t>
+            </a:r>
+            <a:r>
+              <a:rPr lang="en-US" sz="800" dirty="0" err="1"/>
+              <a:t>Jozefowicz</a:t>
+            </a:r>
+            <a:r>
+              <a:rPr lang="en-US" sz="800" dirty="0"/>
+              <a:t>, L. Kaiser, M. </a:t>
+            </a:r>
+            <a:r>
+              <a:rPr lang="en-US" sz="800" dirty="0" err="1"/>
+              <a:t>Kudlur</a:t>
+            </a:r>
+            <a:r>
+              <a:rPr lang="en-US" sz="800" dirty="0"/>
+              <a:t>, J. </a:t>
+            </a:r>
+            <a:r>
+              <a:rPr lang="en-US" sz="800" dirty="0" err="1"/>
+              <a:t>Levenberg</a:t>
+            </a:r>
+            <a:r>
+              <a:rPr lang="en-US" sz="800" dirty="0"/>
+              <a:t>, D. </a:t>
+            </a:r>
+            <a:r>
+              <a:rPr lang="en-US" sz="800" dirty="0" err="1"/>
+              <a:t>Mané</a:t>
+            </a:r>
+            <a:r>
+              <a:rPr lang="en-US" sz="800" dirty="0"/>
+              <a:t>, R. Monga, S. Moore, D. Murray, C. </a:t>
+            </a:r>
+            <a:r>
+              <a:rPr lang="en-US" sz="800" dirty="0" err="1"/>
+              <a:t>Olah</a:t>
+            </a:r>
+            <a:r>
+              <a:rPr lang="en-US" sz="800" dirty="0"/>
+              <a:t>, M. Schuster, J. </a:t>
+            </a:r>
+            <a:r>
+              <a:rPr lang="en-US" sz="800" dirty="0" err="1"/>
+              <a:t>Shlens</a:t>
+            </a:r>
+            <a:r>
+              <a:rPr lang="en-US" sz="800" dirty="0"/>
+              <a:t>, B. Steiner, I. </a:t>
+            </a:r>
+            <a:r>
+              <a:rPr lang="en-US" sz="800" dirty="0" err="1"/>
+              <a:t>Sutskever</a:t>
+            </a:r>
+            <a:r>
+              <a:rPr lang="en-US" sz="800" dirty="0"/>
+              <a:t>, K. Talwar, P. Tucker, V. </a:t>
+            </a:r>
+            <a:r>
+              <a:rPr lang="en-US" sz="800" dirty="0" err="1"/>
+              <a:t>Vanhoucke</a:t>
+            </a:r>
+            <a:r>
+              <a:rPr lang="en-US" sz="800" dirty="0"/>
+              <a:t>, V. Vasudevan, F. </a:t>
+            </a:r>
+            <a:r>
+              <a:rPr lang="en-US" sz="800" dirty="0" err="1"/>
+              <a:t>Viégas</a:t>
+            </a:r>
+            <a:r>
+              <a:rPr lang="en-US" sz="800" dirty="0"/>
+              <a:t>, O. </a:t>
+            </a:r>
+            <a:r>
+              <a:rPr lang="en-US" sz="800" dirty="0" err="1"/>
+              <a:t>Vinyals</a:t>
+            </a:r>
+            <a:r>
+              <a:rPr lang="en-US" sz="800" dirty="0"/>
+              <a:t>, P. Warden, M. Wattenberg, M. </a:t>
+            </a:r>
+            <a:r>
+              <a:rPr lang="en-US" sz="800" dirty="0" err="1"/>
+              <a:t>Wicke</a:t>
+            </a:r>
+            <a:r>
+              <a:rPr lang="en-US" sz="800" dirty="0"/>
+              <a:t>, Y. Yu, and X. Zheng, “TensorFlow: Large-scale machine learning on heterogeneous systems,” 2015. Software available from </a:t>
+            </a:r>
+            <a:r>
+              <a:rPr lang="en-US" sz="800" dirty="0" err="1"/>
+              <a:t>tensorflow.org</a:t>
+            </a:r>
+            <a:r>
+              <a:rPr lang="en-US" sz="800" dirty="0"/>
+              <a:t>.</a:t>
+            </a:r>
+          </a:p>
+          <a:p>
+            <a:r>
+              <a:rPr lang="en-US" sz="800" dirty="0"/>
+              <a:t>[11] E. Jones, T. Oliphant, P. Peterson, et al., “SciPy: Open source scientific tools for Python,” 2001.</a:t>
+            </a:r>
+          </a:p>
+          <a:p>
+            <a:r>
+              <a:rPr lang="en-US" sz="800" dirty="0"/>
+              <a:t>[12] F. </a:t>
+            </a:r>
+            <a:r>
+              <a:rPr lang="en-US" sz="800" dirty="0" err="1"/>
+              <a:t>Pedregosa</a:t>
+            </a:r>
+            <a:r>
+              <a:rPr lang="en-US" sz="800" dirty="0"/>
+              <a:t>, G. </a:t>
+            </a:r>
+            <a:r>
+              <a:rPr lang="en-US" sz="800" dirty="0" err="1"/>
+              <a:t>Varoquaux</a:t>
+            </a:r>
+            <a:r>
+              <a:rPr lang="en-US" sz="800" dirty="0"/>
+              <a:t>, A. </a:t>
+            </a:r>
+            <a:r>
+              <a:rPr lang="en-US" sz="800" dirty="0" err="1"/>
+              <a:t>Gramfort</a:t>
+            </a:r>
+            <a:r>
+              <a:rPr lang="en-US" sz="800" dirty="0"/>
+              <a:t>, V. Michel, B. </a:t>
+            </a:r>
+            <a:r>
+              <a:rPr lang="en-US" sz="800" dirty="0" err="1"/>
+              <a:t>Thirion</a:t>
+            </a:r>
+            <a:r>
+              <a:rPr lang="en-US" sz="800" dirty="0"/>
+              <a:t>, O. Grisel, M. Blondel, P. </a:t>
+            </a:r>
+            <a:r>
+              <a:rPr lang="en-US" sz="800" dirty="0" err="1"/>
+              <a:t>Prettenhofer</a:t>
+            </a:r>
+            <a:r>
+              <a:rPr lang="en-US" sz="800" dirty="0"/>
+              <a:t>, R. Weiss, V. </a:t>
+            </a:r>
+            <a:r>
+              <a:rPr lang="en-US" sz="800" dirty="0" err="1"/>
+              <a:t>Dubourg</a:t>
+            </a:r>
+            <a:r>
+              <a:rPr lang="en-US" sz="800" dirty="0"/>
+              <a:t>, J. </a:t>
+            </a:r>
+            <a:r>
+              <a:rPr lang="en-US" sz="800" dirty="0" err="1"/>
+              <a:t>Vanderplas</a:t>
+            </a:r>
+            <a:r>
+              <a:rPr lang="en-US" sz="800" dirty="0"/>
+              <a:t>, A. </a:t>
+            </a:r>
+            <a:r>
+              <a:rPr lang="en-US" sz="800" dirty="0" err="1"/>
+              <a:t>Passos</a:t>
+            </a:r>
+            <a:r>
+              <a:rPr lang="en-US" sz="800" dirty="0"/>
+              <a:t>, D. </a:t>
+            </a:r>
+            <a:r>
+              <a:rPr lang="en-US" sz="800" dirty="0" err="1"/>
+              <a:t>Cournapeau</a:t>
+            </a:r>
+            <a:r>
+              <a:rPr lang="en-US" sz="800" dirty="0"/>
+              <a:t>, M. </a:t>
+            </a:r>
+            <a:r>
+              <a:rPr lang="en-US" sz="800" dirty="0" err="1"/>
+              <a:t>Brucher</a:t>
+            </a:r>
+            <a:r>
+              <a:rPr lang="en-US" sz="800" dirty="0"/>
+              <a:t>, M. Perrot, and E. </a:t>
+            </a:r>
+            <a:r>
+              <a:rPr lang="en-US" sz="800" dirty="0" err="1"/>
+              <a:t>Duchesnay</a:t>
+            </a:r>
+            <a:r>
+              <a:rPr lang="en-US" sz="800" dirty="0"/>
+              <a:t>, “</a:t>
+            </a:r>
+            <a:r>
+              <a:rPr lang="en-US" sz="800" dirty="0" err="1"/>
+              <a:t>Scikit</a:t>
+            </a:r>
+            <a:r>
+              <a:rPr lang="en-US" sz="800" dirty="0"/>
+              <a:t>-learn: Machine Learning in Python ,” </a:t>
+            </a:r>
+            <a:r>
+              <a:rPr lang="en-US" sz="800" i="1" dirty="0"/>
+              <a:t>Journal of Machine Learning Research</a:t>
+            </a:r>
+            <a:r>
+              <a:rPr lang="en-US" sz="800" dirty="0"/>
+              <a:t>, vol. 12, pp. 2825–2830, 2011.</a:t>
+            </a:r>
+          </a:p>
+          <a:p>
+            <a:r>
+              <a:rPr lang="en-US" sz="800" dirty="0"/>
+              <a:t>[13] S. </a:t>
+            </a:r>
+            <a:r>
+              <a:rPr lang="en-US" sz="800" dirty="0" err="1"/>
+              <a:t>Chetlur</a:t>
+            </a:r>
+            <a:r>
+              <a:rPr lang="en-US" sz="800" dirty="0"/>
+              <a:t>, C. Woolley, P. </a:t>
+            </a:r>
+            <a:r>
+              <a:rPr lang="en-US" sz="800" dirty="0" err="1"/>
+              <a:t>Vandermersch</a:t>
+            </a:r>
+            <a:r>
+              <a:rPr lang="en-US" sz="800" dirty="0"/>
+              <a:t>, J. Cohen, J. Tran, B. Catanzaro, and E. </a:t>
+            </a:r>
+            <a:r>
+              <a:rPr lang="en-US" sz="800" dirty="0" err="1"/>
+              <a:t>Shelhamer</a:t>
+            </a:r>
+            <a:r>
+              <a:rPr lang="en-US" sz="800" dirty="0"/>
+              <a:t>, “</a:t>
+            </a:r>
+            <a:r>
+              <a:rPr lang="en-US" sz="800" dirty="0" err="1"/>
+              <a:t>cudnn</a:t>
+            </a:r>
+            <a:r>
+              <a:rPr lang="en-US" sz="800" dirty="0"/>
+              <a:t>: Efficient primitives for deep learning,” </a:t>
+            </a:r>
+            <a:r>
+              <a:rPr lang="en-US" sz="800" i="1" dirty="0" err="1"/>
+              <a:t>arXiv</a:t>
+            </a:r>
+            <a:r>
+              <a:rPr lang="en-US" sz="800" i="1" dirty="0"/>
+              <a:t> preprint arXiv:1410.0759</a:t>
+            </a:r>
+            <a:r>
+              <a:rPr lang="en-US" sz="800" dirty="0"/>
+              <a:t>, 2014.</a:t>
+            </a:r>
+          </a:p>
+        </p:txBody>
+      </p:sp>
       <p:pic>
         <p:nvPicPr>
-          <p:cNvPr id="25" name="Picture 24">
+          <p:cNvPr id="18" name="Picture 17">
             <a:extLst>
               <a:ext uri="{FF2B5EF4-FFF2-40B4-BE49-F238E27FC236}">
-                <a16:creationId xmlns:a16="http://schemas.microsoft.com/office/drawing/2014/main" id="{E98F1328-0EA3-004F-A5D2-C3369A01B448}"/>
+                <a16:creationId xmlns:a16="http://schemas.microsoft.com/office/drawing/2014/main" id="{A82B4234-1152-4049-9273-6F1FB0ED39B0}"/>
               </a:ext>
             </a:extLst>
           </p:cNvPr>
@@ -3923,27 +5370,147 @@
           <p:nvPr/>
         </p:nvPicPr>
         <p:blipFill>
-          <a:blip r:embed="rId4"/>
+          <a:blip r:embed="rId15"/>
           <a:stretch>
             <a:fillRect/>
           </a:stretch>
         </p:blipFill>
         <p:spPr>
           <a:xfrm>
-            <a:off x="24097987" y="945108"/>
-            <a:ext cx="5353302" cy="1458665"/>
+            <a:off x="22457891" y="13340994"/>
+            <a:ext cx="4663883" cy="1723136"/>
           </a:xfrm>
           <a:prstGeom prst="rect">
             <a:avLst/>
           </a:prstGeom>
         </p:spPr>
       </p:pic>
-      <p:sp>
-        <p:nvSpPr>
-          <p:cNvPr id="26" name="TextBox 25">
+      <p:pic>
+        <p:nvPicPr>
+          <p:cNvPr id="19" name="Picture 18">
             <a:extLst>
               <a:ext uri="{FF2B5EF4-FFF2-40B4-BE49-F238E27FC236}">
-                <a16:creationId xmlns:a16="http://schemas.microsoft.com/office/drawing/2014/main" id="{86B9C19B-018B-7F4B-9A72-1628AC9AA7B4}"/>
+                <a16:creationId xmlns:a16="http://schemas.microsoft.com/office/drawing/2014/main" id="{F5B3E3DC-D1D2-CC46-BA17-68A020D12CBD}"/>
+              </a:ext>
+            </a:extLst>
+          </p:cNvPr>
+          <p:cNvPicPr>
+            <a:picLocks noChangeAspect="1"/>
+          </p:cNvPicPr>
+          <p:nvPr/>
+        </p:nvPicPr>
+        <p:blipFill>
+          <a:blip r:embed="rId16"/>
+          <a:stretch>
+            <a:fillRect/>
+          </a:stretch>
+        </p:blipFill>
+        <p:spPr>
+          <a:xfrm>
+            <a:off x="27412950" y="13340994"/>
+            <a:ext cx="3657600" cy="1723136"/>
+          </a:xfrm>
+          <a:prstGeom prst="rect">
+            <a:avLst/>
+          </a:prstGeom>
+        </p:spPr>
+      </p:pic>
+      <p:pic>
+        <p:nvPicPr>
+          <p:cNvPr id="21" name="Picture 20">
+            <a:extLst>
+              <a:ext uri="{FF2B5EF4-FFF2-40B4-BE49-F238E27FC236}">
+                <a16:creationId xmlns:a16="http://schemas.microsoft.com/office/drawing/2014/main" id="{214DF481-9C1C-ED49-8580-D44BD373C44C}"/>
+              </a:ext>
+            </a:extLst>
+          </p:cNvPr>
+          <p:cNvPicPr>
+            <a:picLocks noChangeAspect="1"/>
+          </p:cNvPicPr>
+          <p:nvPr/>
+        </p:nvPicPr>
+        <p:blipFill>
+          <a:blip r:embed="rId17"/>
+          <a:stretch>
+            <a:fillRect/>
+          </a:stretch>
+        </p:blipFill>
+        <p:spPr>
+          <a:xfrm>
+            <a:off x="22457891" y="15443398"/>
+            <a:ext cx="9400380" cy="2798586"/>
+          </a:xfrm>
+          <a:prstGeom prst="rect">
+            <a:avLst/>
+          </a:prstGeom>
+        </p:spPr>
+      </p:pic>
+      <p:pic>
+        <p:nvPicPr>
+          <p:cNvPr id="22" name="Picture 21">
+            <a:extLst>
+              <a:ext uri="{FF2B5EF4-FFF2-40B4-BE49-F238E27FC236}">
+                <a16:creationId xmlns:a16="http://schemas.microsoft.com/office/drawing/2014/main" id="{68B0B102-91BF-F144-9A45-24AC0D12E1B8}"/>
+              </a:ext>
+            </a:extLst>
+          </p:cNvPr>
+          <p:cNvPicPr>
+            <a:picLocks noChangeAspect="1"/>
+          </p:cNvPicPr>
+          <p:nvPr/>
+        </p:nvPicPr>
+        <p:blipFill>
+          <a:blip r:embed="rId18"/>
+          <a:stretch>
+            <a:fillRect/>
+          </a:stretch>
+        </p:blipFill>
+        <p:spPr>
+          <a:xfrm>
+            <a:off x="28377879" y="9146611"/>
+            <a:ext cx="4572000" cy="2447636"/>
+          </a:xfrm>
+          <a:prstGeom prst="rect">
+            <a:avLst/>
+          </a:prstGeom>
+        </p:spPr>
+      </p:pic>
+      <p:pic>
+        <p:nvPicPr>
+          <p:cNvPr id="35" name="Picture 34">
+            <a:extLst>
+              <a:ext uri="{FF2B5EF4-FFF2-40B4-BE49-F238E27FC236}">
+                <a16:creationId xmlns:a16="http://schemas.microsoft.com/office/drawing/2014/main" id="{27E403C1-281F-D442-AD79-5D11CCB046F5}"/>
+              </a:ext>
+            </a:extLst>
+          </p:cNvPr>
+          <p:cNvPicPr>
+            <a:picLocks noChangeAspect="1"/>
+          </p:cNvPicPr>
+          <p:nvPr/>
+        </p:nvPicPr>
+        <p:blipFill>
+          <a:blip r:embed="rId19"/>
+          <a:stretch>
+            <a:fillRect/>
+          </a:stretch>
+        </p:blipFill>
+        <p:spPr>
+          <a:xfrm>
+            <a:off x="23233041" y="19885393"/>
+            <a:ext cx="7777466" cy="895207"/>
+          </a:xfrm>
+          <a:prstGeom prst="rect">
+            <a:avLst/>
+          </a:prstGeom>
+        </p:spPr>
+      </p:pic>
+      <p:sp>
+        <p:nvSpPr>
+          <p:cNvPr id="46" name="TextBox 45">
+            <a:extLst>
+              <a:ext uri="{FF2B5EF4-FFF2-40B4-BE49-F238E27FC236}">
+                <a16:creationId xmlns:a16="http://schemas.microsoft.com/office/drawing/2014/main" id="{27A48D69-A2A6-A741-AD1F-38754ADB5136}"/>
               </a:ext>
             </a:extLst>
           </p:cNvPr>
@@ -3952,8 +5519,8 @@
         </p:nvSpPr>
         <p:spPr>
           <a:xfrm>
-            <a:off x="-40733" y="2275387"/>
-            <a:ext cx="25280620" cy="1323439"/>
+            <a:off x="1" y="8815205"/>
+            <a:ext cx="10972800" cy="1338828"/>
           </a:xfrm>
           <a:prstGeom prst="rect">
             <a:avLst/>
@@ -3966,62 +5533,53 @@
           </a:bodyPr>
           <a:lstStyle/>
           <a:p>
-            <a:r>
-              <a:rPr lang="en-US" sz="4800" dirty="0"/>
-              <a:t>Nicholas Gaudio, Akash Levy, Jonas Messner, </a:t>
-            </a:r>
-            <a:r>
-              <a:rPr lang="en-US" sz="3200" dirty="0"/>
-              <a:t>{</a:t>
-            </a:r>
-            <a:r>
-              <a:rPr lang="en-US" sz="3200" dirty="0" err="1"/>
-              <a:t>nsgaudio</a:t>
-            </a:r>
-            <a:r>
-              <a:rPr lang="en-US" sz="3200" dirty="0"/>
-              <a:t>, </a:t>
-            </a:r>
-            <a:r>
-              <a:rPr lang="en-US" sz="3200" dirty="0" err="1"/>
-              <a:t>messnerj</a:t>
-            </a:r>
-            <a:r>
-              <a:rPr lang="en-US" sz="3200" dirty="0"/>
-              <a:t>, </a:t>
-            </a:r>
-            <a:r>
-              <a:rPr lang="en-US" sz="3200" dirty="0" err="1"/>
-              <a:t>akashl</a:t>
-            </a:r>
-            <a:r>
-              <a:rPr lang="en-US" sz="3200" dirty="0"/>
-              <a:t>}@</a:t>
-            </a:r>
-            <a:r>
-              <a:rPr lang="en-US" sz="3200" dirty="0" err="1"/>
-              <a:t>stanford.edu</a:t>
-            </a:r>
-            <a:endParaRPr lang="en-US" sz="3200" dirty="0"/>
-          </a:p>
-          <a:p>
-            <a:r>
-              <a:rPr lang="en-US" sz="3200" dirty="0"/>
-              <a:t>Department of Electrical Engineering, Stanford University</a:t>
-            </a:r>
-          </a:p>
-        </p:txBody>
-      </p:sp>
-      <p:sp>
-        <p:nvSpPr>
-          <p:cNvPr id="11" name="TextBox 10"/>
+            <a:pPr marL="457200" indent="-457200">
+              <a:buFont typeface="Arial"/>
+              <a:buChar char="•"/>
+            </a:pPr>
+            <a:r>
+              <a:rPr lang="en-US" sz="2700" dirty="0"/>
+              <a:t>SBHAR dataset of 6 activities and 6 postural transitions from the Galaxy SII</a:t>
+            </a:r>
+          </a:p>
+          <a:p>
+            <a:pPr marL="457200" indent="-457200">
+              <a:buFont typeface="Arial"/>
+              <a:buChar char="•"/>
+            </a:pPr>
+            <a:r>
+              <a:rPr lang="en-US" sz="2700" dirty="0"/>
+              <a:t>3-axial linear acceleration and 3-axial angular velocities traces at 50 Hz</a:t>
+            </a:r>
+          </a:p>
+          <a:p>
+            <a:pPr marL="457200" indent="-457200">
+              <a:buFont typeface="Arial"/>
+              <a:buChar char="•"/>
+            </a:pPr>
+            <a:r>
+              <a:rPr lang="en-US" sz="2700" dirty="0"/>
+              <a:t>Augmented to 3,640 examples with no feature selection (beyond FFT)</a:t>
+            </a:r>
+          </a:p>
+        </p:txBody>
+      </p:sp>
+      <p:sp>
+        <p:nvSpPr>
+          <p:cNvPr id="47" name="TextBox 46">
+            <a:extLst>
+              <a:ext uri="{FF2B5EF4-FFF2-40B4-BE49-F238E27FC236}">
+                <a16:creationId xmlns:a16="http://schemas.microsoft.com/office/drawing/2014/main" id="{764C5E8C-5AB9-4E4A-95E9-BCBC172F3A20}"/>
+              </a:ext>
+            </a:extLst>
+          </p:cNvPr>
           <p:cNvSpPr txBox="1"/>
           <p:nvPr/>
         </p:nvSpPr>
         <p:spPr>
           <a:xfrm>
-            <a:off x="-105756" y="4714957"/>
-            <a:ext cx="11442125" cy="2169825"/>
+            <a:off x="0" y="20079082"/>
+            <a:ext cx="10943772" cy="507831"/>
           </a:xfrm>
           <a:prstGeom prst="rect">
             <a:avLst/>
@@ -4040,7 +5598,86 @@
             </a:pPr>
             <a:r>
               <a:rPr lang="en-US" sz="2700" dirty="0"/>
-              <a:t>Develop a neural network that classifies between multiple classes such as head impacts, body impacts, and no impact.</a:t>
+              <a:t>Model </a:t>
+            </a:r>
+            <a:r>
+              <a:rPr lang="en-US" sz="2700" dirty="0" err="1"/>
+              <a:t>ensembling</a:t>
+            </a:r>
+            <a:r>
+              <a:rPr lang="en-US" sz="2700" dirty="0"/>
+              <a:t> using data representations from sequence models</a:t>
+            </a:r>
+          </a:p>
+        </p:txBody>
+      </p:sp>
+      <p:sp>
+        <p:nvSpPr>
+          <p:cNvPr id="49" name="TextBox 48">
+            <a:extLst>
+              <a:ext uri="{FF2B5EF4-FFF2-40B4-BE49-F238E27FC236}">
+                <a16:creationId xmlns:a16="http://schemas.microsoft.com/office/drawing/2014/main" id="{2F6690B3-93F6-4149-AE49-AFEE89D1E1A1}"/>
+              </a:ext>
+            </a:extLst>
+          </p:cNvPr>
+          <p:cNvSpPr txBox="1"/>
+          <p:nvPr/>
+        </p:nvSpPr>
+        <p:spPr>
+          <a:xfrm>
+            <a:off x="19399656" y="8616468"/>
+            <a:ext cx="13518744" cy="507831"/>
+          </a:xfrm>
+          <a:prstGeom prst="rect">
+            <a:avLst/>
+          </a:prstGeom>
+          <a:noFill/>
+        </p:spPr>
+        <p:txBody>
+          <a:bodyPr wrap="square" rtlCol="0">
+            <a:spAutoFit/>
+          </a:bodyPr>
+          <a:lstStyle/>
+          <a:p>
+            <a:pPr algn="ctr"/>
+            <a:r>
+              <a:rPr lang="en-US" sz="2700" dirty="0"/>
+              <a:t>Random Coarse- to Fine-grain Hyperparameter Search</a:t>
+            </a:r>
+          </a:p>
+        </p:txBody>
+      </p:sp>
+      <p:sp>
+        <p:nvSpPr>
+          <p:cNvPr id="52" name="TextBox 51">
+            <a:extLst>
+              <a:ext uri="{FF2B5EF4-FFF2-40B4-BE49-F238E27FC236}">
+                <a16:creationId xmlns:a16="http://schemas.microsoft.com/office/drawing/2014/main" id="{8ECC7FC5-8FC0-D44C-8275-7732E6DD501D}"/>
+              </a:ext>
+            </a:extLst>
+          </p:cNvPr>
+          <p:cNvSpPr txBox="1"/>
+          <p:nvPr/>
+        </p:nvSpPr>
+        <p:spPr>
+          <a:xfrm>
+            <a:off x="20018862" y="5882858"/>
+            <a:ext cx="10972800" cy="923330"/>
+          </a:xfrm>
+          <a:prstGeom prst="rect">
+            <a:avLst/>
+          </a:prstGeom>
+          <a:noFill/>
+        </p:spPr>
+        <p:txBody>
+          <a:bodyPr wrap="square" rtlCol="0">
+            <a:spAutoFit/>
+          </a:bodyPr>
+          <a:lstStyle/>
+          <a:p>
+            <a:r>
+              <a:rPr lang="en-US" sz="2700" u="sng" dirty="0"/>
+              <a:t>Sequence (LSTM) Model</a:t>
             </a:r>
           </a:p>
           <a:p>
@@ -4050,7 +5687,42 @@
             </a:pPr>
             <a:r>
               <a:rPr lang="en-US" sz="2700" dirty="0"/>
-              <a:t>Apply neural net to a larger mouthguard dataset as more data is collected</a:t>
+              <a:t>Siamese (non-weight sharing) CNN</a:t>
+            </a:r>
+          </a:p>
+        </p:txBody>
+      </p:sp>
+      <p:sp>
+        <p:nvSpPr>
+          <p:cNvPr id="53" name="TextBox 52">
+            <a:extLst>
+              <a:ext uri="{FF2B5EF4-FFF2-40B4-BE49-F238E27FC236}">
+                <a16:creationId xmlns:a16="http://schemas.microsoft.com/office/drawing/2014/main" id="{B16155F2-2B9E-7A4F-97C9-92F036F9FE4C}"/>
+              </a:ext>
+            </a:extLst>
+          </p:cNvPr>
+          <p:cNvSpPr txBox="1"/>
+          <p:nvPr/>
+        </p:nvSpPr>
+        <p:spPr>
+          <a:xfrm>
+            <a:off x="20018862" y="4444631"/>
+            <a:ext cx="10972800" cy="923330"/>
+          </a:xfrm>
+          <a:prstGeom prst="rect">
+            <a:avLst/>
+          </a:prstGeom>
+          <a:noFill/>
+        </p:spPr>
+        <p:txBody>
+          <a:bodyPr wrap="square" rtlCol="0">
+            <a:spAutoFit/>
+          </a:bodyPr>
+          <a:lstStyle/>
+          <a:p>
+            <a:r>
+              <a:rPr lang="en-US" sz="2700" u="sng" dirty="0"/>
+              <a:t>Siamese (non-weight sharing) CNN</a:t>
             </a:r>
           </a:p>
           <a:p>
@@ -4060,60 +5732,11 @@
             </a:pPr>
             <a:r>
               <a:rPr lang="en-US" sz="2700" dirty="0"/>
-              <a:t>Analyze positive head impacts and classify them as resulting in concussion vs. no concussion (</a:t>
-            </a:r>
-            <a:r>
-              <a:rPr lang="en-US" sz="2700" dirty="0" err="1"/>
-              <a:t>KOCNet</a:t>
-            </a:r>
-            <a:r>
-              <a:rPr lang="en-US" sz="2700" dirty="0"/>
-              <a:t>)</a:t>
-            </a:r>
-          </a:p>
-        </p:txBody>
-      </p:sp>
-      <p:pic>
-        <p:nvPicPr>
-          <p:cNvPr id="20" name="Picture 2" descr="Image result for stanford computer science"/>
-          <p:cNvPicPr>
-            <a:picLocks noChangeAspect="1" noChangeArrowheads="1"/>
-          </p:cNvPicPr>
-          <p:nvPr/>
-        </p:nvPicPr>
-        <p:blipFill>
-          <a:blip r:embed="rId5">
-            <a:extLst>
-              <a:ext uri="{28A0092B-C50C-407E-A947-70E740481C1C}">
-                <a14:useLocalDpi xmlns:a14="http://schemas.microsoft.com/office/drawing/2010/main" val="0"/>
-              </a:ext>
-            </a:extLst>
-          </a:blip>
-          <a:srcRect/>
-          <a:stretch>
-            <a:fillRect/>
-          </a:stretch>
-        </p:blipFill>
-        <p:spPr bwMode="auto">
-          <a:xfrm>
-            <a:off x="24342450" y="2353980"/>
-            <a:ext cx="4864375" cy="942603"/>
-          </a:xfrm>
-          <a:prstGeom prst="rect">
-            <a:avLst/>
-          </a:prstGeom>
-          <a:noFill/>
-          <a:extLst>
-            <a:ext uri="{909E8E84-426E-40dd-AFC4-6F175D3DCCD1}">
-              <a14:hiddenFill xmlns:a14="http://schemas.microsoft.com/office/drawing/2010/main" xmlns="">
-                <a:solidFill>
-                  <a:srgbClr val="FFFFFF"/>
-                </a:solidFill>
-              </a14:hiddenFill>
-            </a:ext>
-          </a:extLst>
-        </p:spPr>
-      </p:pic>
+              <a:t>Siamese (non-weight sharing) CNN</a:t>
+            </a:r>
+          </a:p>
+        </p:txBody>
+      </p:sp>
     </p:spTree>
     <p:extLst>
       <p:ext uri="{BB962C8B-B14F-4D97-AF65-F5344CB8AC3E}">

--- a/poster.pptx
+++ b/poster.pptx
@@ -208,7 +208,7 @@
           <a:p>
             <a:fld id="{2CD06590-05B3-D443-B0E0-BD27522271CC}" type="datetimeFigureOut">
               <a:rPr lang="en-US" smtClean="0"/>
-              <a:t>3/16/19</a:t>
+              <a:t>3/17/19</a:t>
             </a:fld>
             <a:endParaRPr lang="en-US"/>
           </a:p>
@@ -695,7 +695,7 @@
           <a:p>
             <a:fld id="{2C4BE8D5-BF98-1F4F-A43A-6FEDDCEE5F10}" type="datetimeFigureOut">
               <a:rPr lang="en-US" smtClean="0"/>
-              <a:t>3/16/19</a:t>
+              <a:t>3/17/19</a:t>
             </a:fld>
             <a:endParaRPr lang="en-US"/>
           </a:p>
@@ -865,7 +865,7 @@
           <a:p>
             <a:fld id="{2C4BE8D5-BF98-1F4F-A43A-6FEDDCEE5F10}" type="datetimeFigureOut">
               <a:rPr lang="en-US" smtClean="0"/>
-              <a:t>3/16/19</a:t>
+              <a:t>3/17/19</a:t>
             </a:fld>
             <a:endParaRPr lang="en-US"/>
           </a:p>
@@ -1045,7 +1045,7 @@
           <a:p>
             <a:fld id="{2C4BE8D5-BF98-1F4F-A43A-6FEDDCEE5F10}" type="datetimeFigureOut">
               <a:rPr lang="en-US" smtClean="0"/>
-              <a:t>3/16/19</a:t>
+              <a:t>3/17/19</a:t>
             </a:fld>
             <a:endParaRPr lang="en-US"/>
           </a:p>
@@ -1215,7 +1215,7 @@
           <a:p>
             <a:fld id="{2C4BE8D5-BF98-1F4F-A43A-6FEDDCEE5F10}" type="datetimeFigureOut">
               <a:rPr lang="en-US" smtClean="0"/>
-              <a:t>3/16/19</a:t>
+              <a:t>3/17/19</a:t>
             </a:fld>
             <a:endParaRPr lang="en-US"/>
           </a:p>
@@ -1459,7 +1459,7 @@
           <a:p>
             <a:fld id="{2C4BE8D5-BF98-1F4F-A43A-6FEDDCEE5F10}" type="datetimeFigureOut">
               <a:rPr lang="en-US" smtClean="0"/>
-              <a:t>3/16/19</a:t>
+              <a:t>3/17/19</a:t>
             </a:fld>
             <a:endParaRPr lang="en-US"/>
           </a:p>
@@ -1691,7 +1691,7 @@
           <a:p>
             <a:fld id="{2C4BE8D5-BF98-1F4F-A43A-6FEDDCEE5F10}" type="datetimeFigureOut">
               <a:rPr lang="en-US" smtClean="0"/>
-              <a:t>3/16/19</a:t>
+              <a:t>3/17/19</a:t>
             </a:fld>
             <a:endParaRPr lang="en-US"/>
           </a:p>
@@ -2058,7 +2058,7 @@
           <a:p>
             <a:fld id="{2C4BE8D5-BF98-1F4F-A43A-6FEDDCEE5F10}" type="datetimeFigureOut">
               <a:rPr lang="en-US" smtClean="0"/>
-              <a:t>3/16/19</a:t>
+              <a:t>3/17/19</a:t>
             </a:fld>
             <a:endParaRPr lang="en-US"/>
           </a:p>
@@ -2176,7 +2176,7 @@
           <a:p>
             <a:fld id="{2C4BE8D5-BF98-1F4F-A43A-6FEDDCEE5F10}" type="datetimeFigureOut">
               <a:rPr lang="en-US" smtClean="0"/>
-              <a:t>3/16/19</a:t>
+              <a:t>3/17/19</a:t>
             </a:fld>
             <a:endParaRPr lang="en-US"/>
           </a:p>
@@ -2271,7 +2271,7 @@
           <a:p>
             <a:fld id="{2C4BE8D5-BF98-1F4F-A43A-6FEDDCEE5F10}" type="datetimeFigureOut">
               <a:rPr lang="en-US" smtClean="0"/>
-              <a:t>3/16/19</a:t>
+              <a:t>3/17/19</a:t>
             </a:fld>
             <a:endParaRPr lang="en-US"/>
           </a:p>
@@ -2548,7 +2548,7 @@
           <a:p>
             <a:fld id="{2C4BE8D5-BF98-1F4F-A43A-6FEDDCEE5F10}" type="datetimeFigureOut">
               <a:rPr lang="en-US" smtClean="0"/>
-              <a:t>3/16/19</a:t>
+              <a:t>3/17/19</a:t>
             </a:fld>
             <a:endParaRPr lang="en-US"/>
           </a:p>
@@ -2805,7 +2805,7 @@
           <a:p>
             <a:fld id="{2C4BE8D5-BF98-1F4F-A43A-6FEDDCEE5F10}" type="datetimeFigureOut">
               <a:rPr lang="en-US" smtClean="0"/>
-              <a:t>3/16/19</a:t>
+              <a:t>3/17/19</a:t>
             </a:fld>
             <a:endParaRPr lang="en-US"/>
           </a:p>
@@ -3018,7 +3018,7 @@
           <a:p>
             <a:fld id="{2C4BE8D5-BF98-1F4F-A43A-6FEDDCEE5F10}" type="datetimeFigureOut">
               <a:rPr lang="en-US" smtClean="0"/>
-              <a:t>3/16/19</a:t>
+              <a:t>3/17/19</a:t>
             </a:fld>
             <a:endParaRPr lang="en-US"/>
           </a:p>
@@ -3445,7 +3445,7 @@
         </p:blipFill>
         <p:spPr>
           <a:xfrm>
-            <a:off x="11023622" y="5175561"/>
+            <a:off x="11023622" y="5348559"/>
             <a:ext cx="8610600" cy="13106400"/>
           </a:xfrm>
           <a:prstGeom prst="rect">
@@ -3505,7 +3505,7 @@
         <p:spPr>
           <a:xfrm>
             <a:off x="0" y="8815205"/>
-            <a:ext cx="10972799" cy="10515600"/>
+            <a:ext cx="10972799" cy="11155680"/>
           </a:xfrm>
           <a:prstGeom prst="rect">
             <a:avLst/>
@@ -3739,14 +3739,14 @@
           <a:effectLst/>
           <a:extLst>
             <a:ext uri="{909E8E84-426E-40dd-AFC4-6F175D3DCCD1}">
-              <a14:hiddenFill xmlns="" xmlns:a14="http://schemas.microsoft.com/office/drawing/2010/main">
+              <a14:hiddenFill xmlns:a14="http://schemas.microsoft.com/office/drawing/2010/main" xmlns="">
                 <a:solidFill>
                   <a:srgbClr val="FFFFFF"/>
                 </a:solidFill>
               </a14:hiddenFill>
             </a:ext>
             <a:ext uri="{91240B29-F687-4f45-9708-019B960494DF}">
-              <a14:hiddenLine xmlns="" xmlns:a14="http://schemas.microsoft.com/office/drawing/2010/main" w="25400" algn="ctr">
+              <a14:hiddenLine xmlns:a14="http://schemas.microsoft.com/office/drawing/2010/main" xmlns="" w="25400" algn="ctr">
                 <a:solidFill>
                   <a:srgbClr val="212120"/>
                 </a:solidFill>
@@ -3756,7 +3756,7 @@
               </a14:hiddenLine>
             </a:ext>
             <a:ext uri="{AF507438-7753-43e0-B8FC-AC1667EBCBE1}">
-              <a14:hiddenEffects xmlns="" xmlns:a14="http://schemas.microsoft.com/office/drawing/2010/main">
+              <a14:hiddenEffects xmlns:a14="http://schemas.microsoft.com/office/drawing/2010/main" xmlns="">
                 <a:effectLst>
                   <a:outerShdw dist="35921" dir="2700000" algn="ctr" rotWithShape="0">
                     <a:srgbClr val="F4EFDB"/>
@@ -3937,7 +3937,7 @@
         </p:nvSpPr>
         <p:spPr>
           <a:xfrm>
-            <a:off x="-40733" y="19334778"/>
+            <a:off x="-40733" y="19804340"/>
             <a:ext cx="11013532" cy="720202"/>
           </a:xfrm>
           <a:prstGeom prst="rect">
@@ -4067,7 +4067,7 @@
         <p:spPr>
           <a:xfrm>
             <a:off x="-105756" y="4714957"/>
-            <a:ext cx="11442125" cy="1338828"/>
+            <a:ext cx="11442125" cy="2169825"/>
           </a:xfrm>
           <a:prstGeom prst="rect">
             <a:avLst/>
@@ -4079,29 +4079,64 @@
             <a:spAutoFit/>
           </a:bodyPr>
           <a:lstStyle/>
+          <a:p>
+            <a:pPr marL="457200" indent="-457200">
+              <a:buFont typeface="Arial"/>
+              <a:buChar char="•"/>
+            </a:pPr>
+            <a:r>
+              <a:rPr lang="en-US" sz="2700" dirty="0" err="1"/>
+              <a:t>L;sdfjasl;fkdj</a:t>
+            </a:r>
+            <a:endParaRPr lang="en-US" sz="2700" dirty="0"/>
+          </a:p>
+          <a:p>
+            <a:pPr marL="457200" indent="-457200">
+              <a:buFont typeface="Arial"/>
+              <a:buChar char="•"/>
+            </a:pPr>
+            <a:r>
+              <a:rPr lang="en-US" sz="2700" dirty="0"/>
+              <a:t>;</a:t>
+            </a:r>
+            <a:r>
+              <a:rPr lang="en-US" sz="2700" dirty="0" err="1"/>
+              <a:t>lskjf;alsdf</a:t>
+            </a:r>
+            <a:endParaRPr lang="en-US" sz="2700" dirty="0"/>
+          </a:p>
+          <a:p>
+            <a:pPr marL="457200" indent="-457200">
+              <a:buFont typeface="Arial"/>
+              <a:buChar char="•"/>
+            </a:pPr>
+            <a:r>
+              <a:rPr lang="en-US" sz="2700" dirty="0" err="1"/>
+              <a:t>Al;sdkjf;dsfkj</a:t>
+            </a:r>
+            <a:endParaRPr lang="en-US" sz="2700" dirty="0"/>
+          </a:p>
+          <a:p>
+            <a:pPr marL="457200" indent="-457200">
+              <a:buFont typeface="Arial"/>
+              <a:buChar char="•"/>
+            </a:pPr>
+            <a:r>
+              <a:rPr lang="en-US" sz="2700" dirty="0"/>
+              <a:t>;</a:t>
+            </a:r>
+            <a:r>
+              <a:rPr lang="en-US" sz="2700" dirty="0" err="1"/>
+              <a:t>alskjfa;lf</a:t>
+            </a:r>
+            <a:endParaRPr lang="en-US" sz="2700" dirty="0"/>
+          </a:p>
           <a:p>
             <a:pPr marL="457200" indent="-457200">
               <a:buFont typeface="Arial"/>
               <a:buChar char="•"/>
             </a:pPr>
             <a:endParaRPr lang="en-US" sz="2700" dirty="0"/>
-          </a:p>
-          <a:p>
-            <a:pPr marL="457200" indent="-457200">
-              <a:buFont typeface="Arial"/>
-              <a:buChar char="•"/>
-            </a:pPr>
-            <a:endParaRPr lang="en-US" sz="2700" dirty="0"/>
-          </a:p>
-          <a:p>
-            <a:pPr marL="457200" indent="-457200">
-              <a:buFont typeface="Arial"/>
-              <a:buChar char="•"/>
-            </a:pPr>
-            <a:r>
-              <a:rPr lang="en-US" sz="2700" dirty="0"/>
-              <a:t>/m,/.m/</a:t>
-            </a:r>
           </a:p>
         </p:txBody>
       </p:sp>
@@ -4137,7 +4172,7 @@
           <a:noFill/>
           <a:extLst>
             <a:ext uri="{909E8E84-426E-40dd-AFC4-6F175D3DCCD1}">
-              <a14:hiddenFill xmlns="" xmlns:a14="http://schemas.microsoft.com/office/drawing/2010/main">
+              <a14:hiddenFill xmlns:a14="http://schemas.microsoft.com/office/drawing/2010/main" xmlns="">
                 <a:solidFill>
                   <a:srgbClr val="FFFFFF"/>
                 </a:solidFill>
@@ -4168,7 +4203,7 @@
         </p:blipFill>
         <p:spPr>
           <a:xfrm>
-            <a:off x="14514" y="10694577"/>
+            <a:off x="14514" y="10867575"/>
             <a:ext cx="3657600" cy="4114800"/>
           </a:xfrm>
           <a:prstGeom prst="rect">
@@ -4198,7 +4233,7 @@
         </p:blipFill>
         <p:spPr>
           <a:xfrm>
-            <a:off x="14514" y="15334781"/>
+            <a:off x="14514" y="15507779"/>
             <a:ext cx="3657600" cy="4114800"/>
           </a:xfrm>
           <a:prstGeom prst="rect">
@@ -4228,7 +4263,7 @@
         </p:blipFill>
         <p:spPr>
           <a:xfrm>
-            <a:off x="3657600" y="10694577"/>
+            <a:off x="3657600" y="10867575"/>
             <a:ext cx="3657600" cy="4114800"/>
           </a:xfrm>
           <a:prstGeom prst="rect">
@@ -4258,7 +4293,7 @@
         </p:blipFill>
         <p:spPr>
           <a:xfrm>
-            <a:off x="3657600" y="15334781"/>
+            <a:off x="3657600" y="15507779"/>
             <a:ext cx="3657600" cy="4114800"/>
           </a:xfrm>
           <a:prstGeom prst="rect">
@@ -4288,7 +4323,7 @@
         </p:blipFill>
         <p:spPr>
           <a:xfrm>
-            <a:off x="7315200" y="10694577"/>
+            <a:off x="7315200" y="10867575"/>
             <a:ext cx="3657600" cy="4114800"/>
           </a:xfrm>
           <a:prstGeom prst="rect">
@@ -4318,7 +4353,7 @@
         </p:blipFill>
         <p:spPr>
           <a:xfrm>
-            <a:off x="7300686" y="15334781"/>
+            <a:off x="7300686" y="15507779"/>
             <a:ext cx="3657600" cy="4114800"/>
           </a:xfrm>
           <a:prstGeom prst="rect">
@@ -4340,7 +4375,7 @@
         </p:nvSpPr>
         <p:spPr>
           <a:xfrm>
-            <a:off x="14514" y="10235885"/>
+            <a:off x="14514" y="10408883"/>
             <a:ext cx="3657600" cy="400110"/>
           </a:xfrm>
           <a:prstGeom prst="rect">
@@ -4379,7 +4414,7 @@
         </p:nvSpPr>
         <p:spPr>
           <a:xfrm>
-            <a:off x="3786506" y="10238266"/>
+            <a:off x="3786506" y="10411264"/>
             <a:ext cx="3657600" cy="400110"/>
           </a:xfrm>
           <a:prstGeom prst="rect">
@@ -4418,7 +4453,7 @@
         </p:nvSpPr>
         <p:spPr>
           <a:xfrm>
-            <a:off x="7315200" y="10235885"/>
+            <a:off x="7315200" y="10408883"/>
             <a:ext cx="3657600" cy="400110"/>
           </a:xfrm>
           <a:prstGeom prst="rect">
@@ -4457,7 +4492,7 @@
         </p:nvSpPr>
         <p:spPr>
           <a:xfrm>
-            <a:off x="0" y="14933768"/>
+            <a:off x="0" y="15106766"/>
             <a:ext cx="3657600" cy="400110"/>
           </a:xfrm>
           <a:prstGeom prst="rect">
@@ -4496,7 +4531,7 @@
         </p:nvSpPr>
         <p:spPr>
           <a:xfrm>
-            <a:off x="3771992" y="14936149"/>
+            <a:off x="3771992" y="15109147"/>
             <a:ext cx="3657600" cy="400110"/>
           </a:xfrm>
           <a:prstGeom prst="rect">
@@ -4535,7 +4570,7 @@
         </p:nvSpPr>
         <p:spPr>
           <a:xfrm>
-            <a:off x="7300686" y="14933768"/>
+            <a:off x="7300686" y="15106766"/>
             <a:ext cx="3657600" cy="400110"/>
           </a:xfrm>
           <a:prstGeom prst="rect">
@@ -5377,8 +5412,8 @@
         </p:blipFill>
         <p:spPr>
           <a:xfrm>
-            <a:off x="22457891" y="13340994"/>
-            <a:ext cx="4663883" cy="1723136"/>
+            <a:off x="19960327" y="13482305"/>
+            <a:ext cx="6682333" cy="2468880"/>
           </a:xfrm>
           <a:prstGeom prst="rect">
             <a:avLst/>
@@ -5407,8 +5442,8 @@
         </p:blipFill>
         <p:spPr>
           <a:xfrm>
-            <a:off x="27412950" y="13340994"/>
-            <a:ext cx="3657600" cy="1723136"/>
+            <a:off x="27441878" y="13482305"/>
+            <a:ext cx="5240547" cy="2468880"/>
           </a:xfrm>
           <a:prstGeom prst="rect">
             <a:avLst/>
@@ -5437,7 +5472,7 @@
         </p:blipFill>
         <p:spPr>
           <a:xfrm>
-            <a:off x="22457891" y="15443398"/>
+            <a:off x="21458838" y="17154522"/>
             <a:ext cx="9400380" cy="2798586"/>
           </a:xfrm>
           <a:prstGeom prst="rect">
@@ -5497,8 +5532,8 @@
         </p:blipFill>
         <p:spPr>
           <a:xfrm>
-            <a:off x="23233041" y="19885393"/>
-            <a:ext cx="7777466" cy="895207"/>
+            <a:off x="21458835" y="20635853"/>
+            <a:ext cx="9400032" cy="1081970"/>
           </a:xfrm>
           <a:prstGeom prst="rect">
             <a:avLst/>
@@ -5519,7 +5554,7 @@
         </p:nvSpPr>
         <p:spPr>
           <a:xfrm>
-            <a:off x="1" y="8815205"/>
+            <a:off x="1" y="8864633"/>
             <a:ext cx="10972800" cy="1338828"/>
           </a:xfrm>
           <a:prstGeom prst="rect">
@@ -5578,8 +5613,8 @@
         </p:nvSpPr>
         <p:spPr>
           <a:xfrm>
-            <a:off x="0" y="20079082"/>
-            <a:ext cx="10943772" cy="507831"/>
+            <a:off x="0" y="20548644"/>
+            <a:ext cx="10943772" cy="1338828"/>
           </a:xfrm>
           <a:prstGeom prst="rect">
             <a:avLst/>
@@ -5607,6 +5642,26 @@
             <a:r>
               <a:rPr lang="en-US" sz="2700" dirty="0"/>
               <a:t> using data representations from sequence models</a:t>
+            </a:r>
+          </a:p>
+          <a:p>
+            <a:pPr marL="457200" indent="-457200">
+              <a:buFont typeface="Arial"/>
+              <a:buChar char="•"/>
+            </a:pPr>
+            <a:r>
+              <a:rPr lang="en-US" sz="2700" dirty="0"/>
+              <a:t>Implement the model on a Galaxy SII for real-time inference</a:t>
+            </a:r>
+          </a:p>
+          <a:p>
+            <a:pPr marL="457200" indent="-457200">
+              <a:buFont typeface="Arial"/>
+              <a:buChar char="•"/>
+            </a:pPr>
+            <a:r>
+              <a:rPr lang="en-US" sz="2700" dirty="0"/>
+              <a:t>Incorporate frequency and phase traces into the sequence model</a:t>
             </a:r>
           </a:p>
         </p:txBody>
@@ -5661,8 +5716,8 @@
         </p:nvSpPr>
         <p:spPr>
           <a:xfrm>
-            <a:off x="20018862" y="5882858"/>
-            <a:ext cx="10972800" cy="923330"/>
+            <a:off x="20018862" y="6728723"/>
+            <a:ext cx="10972800" cy="1338828"/>
           </a:xfrm>
           <a:prstGeom prst="rect">
             <a:avLst/>
@@ -5687,7 +5742,17 @@
             </a:pPr>
             <a:r>
               <a:rPr lang="en-US" sz="2700" dirty="0"/>
-              <a:t>Siamese (non-weight sharing) CNN</a:t>
+              <a:t>Takes time traces as input (6 channels of variable length)</a:t>
+            </a:r>
+          </a:p>
+          <a:p>
+            <a:pPr marL="457200" indent="-457200">
+              <a:buFont typeface="Arial"/>
+              <a:buChar char="•"/>
+            </a:pPr>
+            <a:r>
+              <a:rPr lang="en-US" sz="2700" dirty="0"/>
+              <a:t>Two LSTM layers (128 to 32 output channels)</a:t>
             </a:r>
           </a:p>
         </p:txBody>
@@ -5707,7 +5772,7 @@
         <p:spPr>
           <a:xfrm>
             <a:off x="20018862" y="4444631"/>
-            <a:ext cx="10972800" cy="923330"/>
+            <a:ext cx="12899538" cy="2169825"/>
           </a:xfrm>
           <a:prstGeom prst="rect">
             <a:avLst/>
@@ -5732,7 +5797,255 @@
             </a:pPr>
             <a:r>
               <a:rPr lang="en-US" sz="2700" dirty="0"/>
+              <a:t>Left subnetwork takes time traces as input (6 zero-padded channels)</a:t>
+            </a:r>
+          </a:p>
+          <a:p>
+            <a:pPr marL="457200" indent="-457200">
+              <a:buFont typeface="Arial"/>
+              <a:buChar char="•"/>
+            </a:pPr>
+            <a:r>
+              <a:rPr lang="en-US" sz="2700" dirty="0"/>
+              <a:t>Right subnetwork takes frequency and phase traces as input (12 interpolated channels)</a:t>
+            </a:r>
+          </a:p>
+          <a:p>
+            <a:pPr marL="457200" indent="-457200">
+              <a:buFont typeface="Arial"/>
+              <a:buChar char="•"/>
+            </a:pPr>
+            <a:r>
+              <a:rPr lang="en-US" sz="2700" dirty="0"/>
+              <a:t>Late sensor fusion employed for encoded, efficient feature extraction</a:t>
+            </a:r>
+          </a:p>
+          <a:p>
+            <a:pPr marL="457200" indent="-457200">
+              <a:buFont typeface="Arial"/>
+              <a:buChar char="•"/>
+            </a:pPr>
+            <a:r>
+              <a:rPr lang="en-US" sz="2700" dirty="0"/>
+              <a:t>Conv1D filter size: 1x14     Conv2D filter size: 3x42     Filter #: 60     learning rate: 0.0026</a:t>
+            </a:r>
+          </a:p>
+        </p:txBody>
+      </p:sp>
+      <p:sp>
+        <p:nvSpPr>
+          <p:cNvPr id="45" name="TextBox 44">
+            <a:extLst>
+              <a:ext uri="{FF2B5EF4-FFF2-40B4-BE49-F238E27FC236}">
+                <a16:creationId xmlns:a16="http://schemas.microsoft.com/office/drawing/2014/main" id="{BE00AABE-D684-0D49-8B46-5CAEC44612E9}"/>
+              </a:ext>
+            </a:extLst>
+          </p:cNvPr>
+          <p:cNvSpPr txBox="1"/>
+          <p:nvPr/>
+        </p:nvSpPr>
+        <p:spPr>
+          <a:xfrm>
+            <a:off x="19696488" y="12467032"/>
+            <a:ext cx="7855828" cy="507831"/>
+          </a:xfrm>
+          <a:prstGeom prst="rect">
+            <a:avLst/>
+          </a:prstGeom>
+          <a:noFill/>
+        </p:spPr>
+        <p:txBody>
+          <a:bodyPr wrap="square" rtlCol="0">
+            <a:spAutoFit/>
+          </a:bodyPr>
+          <a:lstStyle/>
+          <a:p>
+            <a:r>
+              <a:rPr lang="en-US" sz="2700" dirty="0"/>
+              <a:t>Literature comparison (grouped postural transitions):</a:t>
+            </a:r>
+          </a:p>
+        </p:txBody>
+      </p:sp>
+      <p:sp>
+        <p:nvSpPr>
+          <p:cNvPr id="48" name="TextBox 47">
+            <a:extLst>
+              <a:ext uri="{FF2B5EF4-FFF2-40B4-BE49-F238E27FC236}">
+                <a16:creationId xmlns:a16="http://schemas.microsoft.com/office/drawing/2014/main" id="{E0EFE56C-3D86-3041-AF51-09B4EF088582}"/>
+              </a:ext>
+            </a:extLst>
+          </p:cNvPr>
+          <p:cNvSpPr txBox="1"/>
+          <p:nvPr/>
+        </p:nvSpPr>
+        <p:spPr>
+          <a:xfrm>
+            <a:off x="19960327" y="13032906"/>
+            <a:ext cx="6682333" cy="507831"/>
+          </a:xfrm>
+          <a:prstGeom prst="rect">
+            <a:avLst/>
+          </a:prstGeom>
+          <a:noFill/>
+        </p:spPr>
+        <p:txBody>
+          <a:bodyPr wrap="square" rtlCol="0">
+            <a:spAutoFit/>
+          </a:bodyPr>
+          <a:lstStyle/>
+          <a:p>
+            <a:pPr algn="ctr"/>
+            <a:r>
+              <a:rPr lang="en-US" sz="2700" dirty="0"/>
+              <a:t>SVM, 561 features extracted [1]</a:t>
+            </a:r>
+          </a:p>
+        </p:txBody>
+      </p:sp>
+      <p:sp>
+        <p:nvSpPr>
+          <p:cNvPr id="50" name="TextBox 49">
+            <a:extLst>
+              <a:ext uri="{FF2B5EF4-FFF2-40B4-BE49-F238E27FC236}">
+                <a16:creationId xmlns:a16="http://schemas.microsoft.com/office/drawing/2014/main" id="{15ED2A86-1C57-0A4D-A3D8-4DCDB0DA617C}"/>
+              </a:ext>
+            </a:extLst>
+          </p:cNvPr>
+          <p:cNvSpPr txBox="1"/>
+          <p:nvPr/>
+        </p:nvSpPr>
+        <p:spPr>
+          <a:xfrm>
+            <a:off x="27441878" y="12979819"/>
+            <a:ext cx="5240547" cy="507831"/>
+          </a:xfrm>
+          <a:prstGeom prst="rect">
+            <a:avLst/>
+          </a:prstGeom>
+          <a:noFill/>
+        </p:spPr>
+        <p:txBody>
+          <a:bodyPr wrap="square" rtlCol="0">
+            <a:spAutoFit/>
+          </a:bodyPr>
+          <a:lstStyle/>
+          <a:p>
+            <a:pPr algn="ctr"/>
+            <a:r>
+              <a:rPr lang="en-US" sz="2700" dirty="0"/>
+              <a:t>CNN (2.5 second traces) [2]</a:t>
+            </a:r>
+          </a:p>
+        </p:txBody>
+      </p:sp>
+      <p:sp>
+        <p:nvSpPr>
+          <p:cNvPr id="51" name="TextBox 50">
+            <a:extLst>
+              <a:ext uri="{FF2B5EF4-FFF2-40B4-BE49-F238E27FC236}">
+                <a16:creationId xmlns:a16="http://schemas.microsoft.com/office/drawing/2014/main" id="{CF0953EA-8F58-4C49-BABE-827509672362}"/>
+              </a:ext>
+            </a:extLst>
+          </p:cNvPr>
+          <p:cNvSpPr txBox="1"/>
+          <p:nvPr/>
+        </p:nvSpPr>
+        <p:spPr>
+          <a:xfrm>
+            <a:off x="19696488" y="16112583"/>
+            <a:ext cx="7855828" cy="507831"/>
+          </a:xfrm>
+          <a:prstGeom prst="rect">
+            <a:avLst/>
+          </a:prstGeom>
+          <a:noFill/>
+        </p:spPr>
+        <p:txBody>
+          <a:bodyPr wrap="square" rtlCol="0">
+            <a:spAutoFit/>
+          </a:bodyPr>
+          <a:lstStyle/>
+          <a:p>
+            <a:r>
+              <a:rPr lang="en-US" sz="2700" dirty="0" err="1"/>
+              <a:t>HATRNet</a:t>
+            </a:r>
+            <a:r>
+              <a:rPr lang="en-US" sz="2700" dirty="0"/>
+              <a:t> Results (ungrouped postural transitions):</a:t>
+            </a:r>
+          </a:p>
+        </p:txBody>
+      </p:sp>
+      <p:sp>
+        <p:nvSpPr>
+          <p:cNvPr id="54" name="TextBox 53">
+            <a:extLst>
+              <a:ext uri="{FF2B5EF4-FFF2-40B4-BE49-F238E27FC236}">
+                <a16:creationId xmlns:a16="http://schemas.microsoft.com/office/drawing/2014/main" id="{7ACA9B8A-20EB-8140-A1F1-12E82C4080A8}"/>
+              </a:ext>
+            </a:extLst>
+          </p:cNvPr>
+          <p:cNvSpPr txBox="1"/>
+          <p:nvPr/>
+        </p:nvSpPr>
+        <p:spPr>
+          <a:xfrm>
+            <a:off x="21458835" y="16686107"/>
+            <a:ext cx="9400380" cy="507831"/>
+          </a:xfrm>
+          <a:prstGeom prst="rect">
+            <a:avLst/>
+          </a:prstGeom>
+          <a:noFill/>
+        </p:spPr>
+        <p:txBody>
+          <a:bodyPr wrap="square" rtlCol="0">
+            <a:spAutoFit/>
+          </a:bodyPr>
+          <a:lstStyle/>
+          <a:p>
+            <a:pPr algn="ctr"/>
+            <a:r>
+              <a:rPr lang="en-US" sz="2700" dirty="0"/>
               <a:t>Siamese (non-weight sharing) CNN</a:t>
+            </a:r>
+          </a:p>
+        </p:txBody>
+      </p:sp>
+      <p:sp>
+        <p:nvSpPr>
+          <p:cNvPr id="55" name="TextBox 54">
+            <a:extLst>
+              <a:ext uri="{FF2B5EF4-FFF2-40B4-BE49-F238E27FC236}">
+                <a16:creationId xmlns:a16="http://schemas.microsoft.com/office/drawing/2014/main" id="{C81332DC-9090-CC43-82B5-FA44109F873C}"/>
+              </a:ext>
+            </a:extLst>
+          </p:cNvPr>
+          <p:cNvSpPr txBox="1"/>
+          <p:nvPr/>
+        </p:nvSpPr>
+        <p:spPr>
+          <a:xfrm>
+            <a:off x="21455642" y="20128022"/>
+            <a:ext cx="9400380" cy="507831"/>
+          </a:xfrm>
+          <a:prstGeom prst="rect">
+            <a:avLst/>
+          </a:prstGeom>
+          <a:noFill/>
+        </p:spPr>
+        <p:txBody>
+          <a:bodyPr wrap="square" rtlCol="0">
+            <a:spAutoFit/>
+          </a:bodyPr>
+          <a:lstStyle/>
+          <a:p>
+            <a:pPr algn="ctr"/>
+            <a:r>
+              <a:rPr lang="en-US" sz="2700" dirty="0"/>
+              <a:t>Architecture Comparison</a:t>
             </a:r>
           </a:p>
         </p:txBody>

--- a/poster.pptx
+++ b/poster.pptx
@@ -208,7 +208,7 @@
           <a:p>
             <a:fld id="{2CD06590-05B3-D443-B0E0-BD27522271CC}" type="datetimeFigureOut">
               <a:rPr lang="en-US" smtClean="0"/>
-              <a:t>3/17/19</a:t>
+              <a:t>3/17/2019</a:t>
             </a:fld>
             <a:endParaRPr lang="en-US"/>
           </a:p>
@@ -695,7 +695,7 @@
           <a:p>
             <a:fld id="{2C4BE8D5-BF98-1F4F-A43A-6FEDDCEE5F10}" type="datetimeFigureOut">
               <a:rPr lang="en-US" smtClean="0"/>
-              <a:t>3/17/19</a:t>
+              <a:t>3/17/2019</a:t>
             </a:fld>
             <a:endParaRPr lang="en-US"/>
           </a:p>
@@ -865,7 +865,7 @@
           <a:p>
             <a:fld id="{2C4BE8D5-BF98-1F4F-A43A-6FEDDCEE5F10}" type="datetimeFigureOut">
               <a:rPr lang="en-US" smtClean="0"/>
-              <a:t>3/17/19</a:t>
+              <a:t>3/17/2019</a:t>
             </a:fld>
             <a:endParaRPr lang="en-US"/>
           </a:p>
@@ -1045,7 +1045,7 @@
           <a:p>
             <a:fld id="{2C4BE8D5-BF98-1F4F-A43A-6FEDDCEE5F10}" type="datetimeFigureOut">
               <a:rPr lang="en-US" smtClean="0"/>
-              <a:t>3/17/19</a:t>
+              <a:t>3/17/2019</a:t>
             </a:fld>
             <a:endParaRPr lang="en-US"/>
           </a:p>
@@ -1215,7 +1215,7 @@
           <a:p>
             <a:fld id="{2C4BE8D5-BF98-1F4F-A43A-6FEDDCEE5F10}" type="datetimeFigureOut">
               <a:rPr lang="en-US" smtClean="0"/>
-              <a:t>3/17/19</a:t>
+              <a:t>3/17/2019</a:t>
             </a:fld>
             <a:endParaRPr lang="en-US"/>
           </a:p>
@@ -1459,7 +1459,7 @@
           <a:p>
             <a:fld id="{2C4BE8D5-BF98-1F4F-A43A-6FEDDCEE5F10}" type="datetimeFigureOut">
               <a:rPr lang="en-US" smtClean="0"/>
-              <a:t>3/17/19</a:t>
+              <a:t>3/17/2019</a:t>
             </a:fld>
             <a:endParaRPr lang="en-US"/>
           </a:p>
@@ -1691,7 +1691,7 @@
           <a:p>
             <a:fld id="{2C4BE8D5-BF98-1F4F-A43A-6FEDDCEE5F10}" type="datetimeFigureOut">
               <a:rPr lang="en-US" smtClean="0"/>
-              <a:t>3/17/19</a:t>
+              <a:t>3/17/2019</a:t>
             </a:fld>
             <a:endParaRPr lang="en-US"/>
           </a:p>
@@ -2058,7 +2058,7 @@
           <a:p>
             <a:fld id="{2C4BE8D5-BF98-1F4F-A43A-6FEDDCEE5F10}" type="datetimeFigureOut">
               <a:rPr lang="en-US" smtClean="0"/>
-              <a:t>3/17/19</a:t>
+              <a:t>3/17/2019</a:t>
             </a:fld>
             <a:endParaRPr lang="en-US"/>
           </a:p>
@@ -2176,7 +2176,7 @@
           <a:p>
             <a:fld id="{2C4BE8D5-BF98-1F4F-A43A-6FEDDCEE5F10}" type="datetimeFigureOut">
               <a:rPr lang="en-US" smtClean="0"/>
-              <a:t>3/17/19</a:t>
+              <a:t>3/17/2019</a:t>
             </a:fld>
             <a:endParaRPr lang="en-US"/>
           </a:p>
@@ -2271,7 +2271,7 @@
           <a:p>
             <a:fld id="{2C4BE8D5-BF98-1F4F-A43A-6FEDDCEE5F10}" type="datetimeFigureOut">
               <a:rPr lang="en-US" smtClean="0"/>
-              <a:t>3/17/19</a:t>
+              <a:t>3/17/2019</a:t>
             </a:fld>
             <a:endParaRPr lang="en-US"/>
           </a:p>
@@ -2548,7 +2548,7 @@
           <a:p>
             <a:fld id="{2C4BE8D5-BF98-1F4F-A43A-6FEDDCEE5F10}" type="datetimeFigureOut">
               <a:rPr lang="en-US" smtClean="0"/>
-              <a:t>3/17/19</a:t>
+              <a:t>3/17/2019</a:t>
             </a:fld>
             <a:endParaRPr lang="en-US"/>
           </a:p>
@@ -2805,7 +2805,7 @@
           <a:p>
             <a:fld id="{2C4BE8D5-BF98-1F4F-A43A-6FEDDCEE5F10}" type="datetimeFigureOut">
               <a:rPr lang="en-US" smtClean="0"/>
-              <a:t>3/17/19</a:t>
+              <a:t>3/17/2019</a:t>
             </a:fld>
             <a:endParaRPr lang="en-US"/>
           </a:p>
@@ -3018,7 +3018,7 @@
           <a:p>
             <a:fld id="{2C4BE8D5-BF98-1F4F-A43A-6FEDDCEE5F10}" type="datetimeFigureOut">
               <a:rPr lang="en-US" smtClean="0"/>
-              <a:t>3/17/19</a:t>
+              <a:t>3/17/2019</a:t>
             </a:fld>
             <a:endParaRPr lang="en-US"/>
           </a:p>
@@ -3739,14 +3739,14 @@
           <a:effectLst/>
           <a:extLst>
             <a:ext uri="{909E8E84-426E-40dd-AFC4-6F175D3DCCD1}">
-              <a14:hiddenFill xmlns:a14="http://schemas.microsoft.com/office/drawing/2010/main" xmlns="">
+              <a14:hiddenFill xmlns="" xmlns:a14="http://schemas.microsoft.com/office/drawing/2010/main">
                 <a:solidFill>
                   <a:srgbClr val="FFFFFF"/>
                 </a:solidFill>
               </a14:hiddenFill>
             </a:ext>
             <a:ext uri="{91240B29-F687-4f45-9708-019B960494DF}">
-              <a14:hiddenLine xmlns:a14="http://schemas.microsoft.com/office/drawing/2010/main" xmlns="" w="25400" algn="ctr">
+              <a14:hiddenLine xmlns="" xmlns:a14="http://schemas.microsoft.com/office/drawing/2010/main" w="25400" algn="ctr">
                 <a:solidFill>
                   <a:srgbClr val="212120"/>
                 </a:solidFill>
@@ -3756,7 +3756,7 @@
               </a14:hiddenLine>
             </a:ext>
             <a:ext uri="{AF507438-7753-43e0-B8FC-AC1667EBCBE1}">
-              <a14:hiddenEffects xmlns:a14="http://schemas.microsoft.com/office/drawing/2010/main" xmlns="">
+              <a14:hiddenEffects xmlns="" xmlns:a14="http://schemas.microsoft.com/office/drawing/2010/main">
                 <a:effectLst>
                   <a:outerShdw dist="35921" dir="2700000" algn="ctr" rotWithShape="0">
                     <a:srgbClr val="F4EFDB"/>
@@ -4066,8 +4066,8 @@
         </p:nvSpPr>
         <p:spPr>
           <a:xfrm>
-            <a:off x="-105756" y="4714957"/>
-            <a:ext cx="11442125" cy="2169825"/>
+            <a:off x="14514" y="4599207"/>
+            <a:ext cx="10929259" cy="3416320"/>
           </a:xfrm>
           <a:prstGeom prst="rect">
             <a:avLst/>
@@ -4085,10 +4085,9 @@
               <a:buChar char="•"/>
             </a:pPr>
             <a:r>
-              <a:rPr lang="en-US" sz="2700" dirty="0" err="1"/>
-              <a:t>L;sdfjasl;fkdj</a:t>
-            </a:r>
-            <a:endParaRPr lang="en-US" sz="2700" dirty="0"/>
+              <a:rPr lang="en-US" sz="2700" dirty="0"/>
+              <a:t>Human Activity Recognition has great potential for customized healthcare</a:t>
+            </a:r>
           </a:p>
           <a:p>
             <a:pPr marL="457200" indent="-457200">
@@ -4097,13 +4096,8 @@
             </a:pPr>
             <a:r>
               <a:rPr lang="en-US" sz="2700" dirty="0"/>
-              <a:t>;</a:t>
-            </a:r>
-            <a:r>
-              <a:rPr lang="en-US" sz="2700" dirty="0" err="1"/>
-              <a:t>lskjf;alsdf</a:t>
-            </a:r>
-            <a:endParaRPr lang="en-US" sz="2700" dirty="0"/>
+              <a:t>Smartphones incorporate sensors (accelerometer, gyroscope etc.)</a:t>
+            </a:r>
           </a:p>
           <a:p>
             <a:pPr marL="457200" indent="-457200">
@@ -4111,25 +4105,9 @@
               <a:buChar char="•"/>
             </a:pPr>
             <a:r>
-              <a:rPr lang="en-US" sz="2700" dirty="0" err="1"/>
-              <a:t>Al;sdkjf;dsfkj</a:t>
-            </a:r>
-            <a:endParaRPr lang="en-US" sz="2700" dirty="0"/>
-          </a:p>
-          <a:p>
-            <a:pPr marL="457200" indent="-457200">
-              <a:buFont typeface="Arial"/>
-              <a:buChar char="•"/>
-            </a:pPr>
-            <a:r>
               <a:rPr lang="en-US" sz="2700" dirty="0"/>
-              <a:t>;</a:t>
-            </a:r>
-            <a:r>
-              <a:rPr lang="en-US" sz="2700" dirty="0" err="1"/>
-              <a:t>alskjfa;lf</a:t>
-            </a:r>
-            <a:endParaRPr lang="en-US" sz="2700" dirty="0"/>
+              <a:t>Sensor data can be used to classify human activities and transitions </a:t>
+            </a:r>
           </a:p>
           <a:p>
             <a:pPr marL="457200" indent="-457200">
@@ -4137,6 +4115,46 @@
               <a:buChar char="•"/>
             </a:pPr>
             <a:endParaRPr lang="en-US" sz="2700" dirty="0"/>
+          </a:p>
+          <a:p>
+            <a:pPr marL="457200" indent="-457200">
+              <a:buFont typeface="Arial"/>
+              <a:buChar char="•"/>
+            </a:pPr>
+            <a:r>
+              <a:rPr lang="en-US" sz="2700" dirty="0"/>
+              <a:t>Improvements compared to state of the art:</a:t>
+            </a:r>
+          </a:p>
+          <a:p>
+            <a:pPr marL="914400" lvl="1" indent="-450850">
+              <a:buFont typeface="+mj-lt"/>
+              <a:buAutoNum type="arabicPeriod"/>
+            </a:pPr>
+            <a:r>
+              <a:rPr lang="en-US" sz="2700" dirty="0"/>
+              <a:t>Advanced preprocessing including data augmentation</a:t>
+            </a:r>
+          </a:p>
+          <a:p>
+            <a:pPr marL="914400" lvl="1" indent="-450850">
+              <a:buFont typeface="+mj-lt"/>
+              <a:buAutoNum type="arabicPeriod"/>
+            </a:pPr>
+            <a:r>
+              <a:rPr lang="en-US" sz="2700" dirty="0"/>
+              <a:t>End-to-end deep learning solution (no feature extraction)</a:t>
+            </a:r>
+          </a:p>
+          <a:p>
+            <a:pPr marL="914400" lvl="1" indent="-450850">
+              <a:buFont typeface="+mj-lt"/>
+              <a:buAutoNum type="arabicPeriod"/>
+            </a:pPr>
+            <a:r>
+              <a:rPr lang="en-US" sz="2700" dirty="0"/>
+              <a:t>Improved architecture enabling accurate classification of transitions</a:t>
+            </a:r>
           </a:p>
         </p:txBody>
       </p:sp>
@@ -4172,7 +4190,7 @@
           <a:noFill/>
           <a:extLst>
             <a:ext uri="{909E8E84-426E-40dd-AFC4-6F175D3DCCD1}">
-              <a14:hiddenFill xmlns:a14="http://schemas.microsoft.com/office/drawing/2010/main" xmlns="">
+              <a14:hiddenFill xmlns="" xmlns:a14="http://schemas.microsoft.com/office/drawing/2010/main">
                 <a:solidFill>
                   <a:srgbClr val="FFFFFF"/>
                 </a:solidFill>
@@ -5651,7 +5669,7 @@
             </a:pPr>
             <a:r>
               <a:rPr lang="en-US" sz="2700" dirty="0"/>
-              <a:t>Implement the model on a Galaxy SII for real-time inference</a:t>
+              <a:t>Implement the model on a smartphone for real-time inference</a:t>
             </a:r>
           </a:p>
           <a:p>

--- a/poster.pptx
+++ b/poster.pptx
@@ -208,7 +208,7 @@
           <a:p>
             <a:fld id="{2CD06590-05B3-D443-B0E0-BD27522271CC}" type="datetimeFigureOut">
               <a:rPr lang="en-US" smtClean="0"/>
-              <a:t>3/17/2019</a:t>
+              <a:t>3/17/19</a:t>
             </a:fld>
             <a:endParaRPr lang="en-US"/>
           </a:p>
@@ -695,7 +695,7 @@
           <a:p>
             <a:fld id="{2C4BE8D5-BF98-1F4F-A43A-6FEDDCEE5F10}" type="datetimeFigureOut">
               <a:rPr lang="en-US" smtClean="0"/>
-              <a:t>3/17/2019</a:t>
+              <a:t>3/17/19</a:t>
             </a:fld>
             <a:endParaRPr lang="en-US"/>
           </a:p>
@@ -865,7 +865,7 @@
           <a:p>
             <a:fld id="{2C4BE8D5-BF98-1F4F-A43A-6FEDDCEE5F10}" type="datetimeFigureOut">
               <a:rPr lang="en-US" smtClean="0"/>
-              <a:t>3/17/2019</a:t>
+              <a:t>3/17/19</a:t>
             </a:fld>
             <a:endParaRPr lang="en-US"/>
           </a:p>
@@ -1045,7 +1045,7 @@
           <a:p>
             <a:fld id="{2C4BE8D5-BF98-1F4F-A43A-6FEDDCEE5F10}" type="datetimeFigureOut">
               <a:rPr lang="en-US" smtClean="0"/>
-              <a:t>3/17/2019</a:t>
+              <a:t>3/17/19</a:t>
             </a:fld>
             <a:endParaRPr lang="en-US"/>
           </a:p>
@@ -1215,7 +1215,7 @@
           <a:p>
             <a:fld id="{2C4BE8D5-BF98-1F4F-A43A-6FEDDCEE5F10}" type="datetimeFigureOut">
               <a:rPr lang="en-US" smtClean="0"/>
-              <a:t>3/17/2019</a:t>
+              <a:t>3/17/19</a:t>
             </a:fld>
             <a:endParaRPr lang="en-US"/>
           </a:p>
@@ -1459,7 +1459,7 @@
           <a:p>
             <a:fld id="{2C4BE8D5-BF98-1F4F-A43A-6FEDDCEE5F10}" type="datetimeFigureOut">
               <a:rPr lang="en-US" smtClean="0"/>
-              <a:t>3/17/2019</a:t>
+              <a:t>3/17/19</a:t>
             </a:fld>
             <a:endParaRPr lang="en-US"/>
           </a:p>
@@ -1691,7 +1691,7 @@
           <a:p>
             <a:fld id="{2C4BE8D5-BF98-1F4F-A43A-6FEDDCEE5F10}" type="datetimeFigureOut">
               <a:rPr lang="en-US" smtClean="0"/>
-              <a:t>3/17/2019</a:t>
+              <a:t>3/17/19</a:t>
             </a:fld>
             <a:endParaRPr lang="en-US"/>
           </a:p>
@@ -2058,7 +2058,7 @@
           <a:p>
             <a:fld id="{2C4BE8D5-BF98-1F4F-A43A-6FEDDCEE5F10}" type="datetimeFigureOut">
               <a:rPr lang="en-US" smtClean="0"/>
-              <a:t>3/17/2019</a:t>
+              <a:t>3/17/19</a:t>
             </a:fld>
             <a:endParaRPr lang="en-US"/>
           </a:p>
@@ -2176,7 +2176,7 @@
           <a:p>
             <a:fld id="{2C4BE8D5-BF98-1F4F-A43A-6FEDDCEE5F10}" type="datetimeFigureOut">
               <a:rPr lang="en-US" smtClean="0"/>
-              <a:t>3/17/2019</a:t>
+              <a:t>3/17/19</a:t>
             </a:fld>
             <a:endParaRPr lang="en-US"/>
           </a:p>
@@ -2271,7 +2271,7 @@
           <a:p>
             <a:fld id="{2C4BE8D5-BF98-1F4F-A43A-6FEDDCEE5F10}" type="datetimeFigureOut">
               <a:rPr lang="en-US" smtClean="0"/>
-              <a:t>3/17/2019</a:t>
+              <a:t>3/17/19</a:t>
             </a:fld>
             <a:endParaRPr lang="en-US"/>
           </a:p>
@@ -2548,7 +2548,7 @@
           <a:p>
             <a:fld id="{2C4BE8D5-BF98-1F4F-A43A-6FEDDCEE5F10}" type="datetimeFigureOut">
               <a:rPr lang="en-US" smtClean="0"/>
-              <a:t>3/17/2019</a:t>
+              <a:t>3/17/19</a:t>
             </a:fld>
             <a:endParaRPr lang="en-US"/>
           </a:p>
@@ -2805,7 +2805,7 @@
           <a:p>
             <a:fld id="{2C4BE8D5-BF98-1F4F-A43A-6FEDDCEE5F10}" type="datetimeFigureOut">
               <a:rPr lang="en-US" smtClean="0"/>
-              <a:t>3/17/2019</a:t>
+              <a:t>3/17/19</a:t>
             </a:fld>
             <a:endParaRPr lang="en-US"/>
           </a:p>
@@ -3018,7 +3018,7 @@
           <a:p>
             <a:fld id="{2C4BE8D5-BF98-1F4F-A43A-6FEDDCEE5F10}" type="datetimeFigureOut">
               <a:rPr lang="en-US" smtClean="0"/>
-              <a:t>3/17/2019</a:t>
+              <a:t>3/17/19</a:t>
             </a:fld>
             <a:endParaRPr lang="en-US"/>
           </a:p>
@@ -3739,14 +3739,14 @@
           <a:effectLst/>
           <a:extLst>
             <a:ext uri="{909E8E84-426E-40dd-AFC4-6F175D3DCCD1}">
-              <a14:hiddenFill xmlns="" xmlns:a14="http://schemas.microsoft.com/office/drawing/2010/main">
+              <a14:hiddenFill xmlns:a14="http://schemas.microsoft.com/office/drawing/2010/main" xmlns="">
                 <a:solidFill>
                   <a:srgbClr val="FFFFFF"/>
                 </a:solidFill>
               </a14:hiddenFill>
             </a:ext>
             <a:ext uri="{91240B29-F687-4f45-9708-019B960494DF}">
-              <a14:hiddenLine xmlns="" xmlns:a14="http://schemas.microsoft.com/office/drawing/2010/main" w="25400" algn="ctr">
+              <a14:hiddenLine xmlns:a14="http://schemas.microsoft.com/office/drawing/2010/main" xmlns="" w="25400" algn="ctr">
                 <a:solidFill>
                   <a:srgbClr val="212120"/>
                 </a:solidFill>
@@ -3756,7 +3756,7 @@
               </a14:hiddenLine>
             </a:ext>
             <a:ext uri="{AF507438-7753-43e0-B8FC-AC1667EBCBE1}">
-              <a14:hiddenEffects xmlns="" xmlns:a14="http://schemas.microsoft.com/office/drawing/2010/main">
+              <a14:hiddenEffects xmlns:a14="http://schemas.microsoft.com/office/drawing/2010/main" xmlns="">
                 <a:effectLst>
                   <a:outerShdw dist="35921" dir="2700000" algn="ctr" rotWithShape="0">
                     <a:srgbClr val="F4EFDB"/>
@@ -4190,7 +4190,7 @@
           <a:noFill/>
           <a:extLst>
             <a:ext uri="{909E8E84-426E-40dd-AFC4-6F175D3DCCD1}">
-              <a14:hiddenFill xmlns="" xmlns:a14="http://schemas.microsoft.com/office/drawing/2010/main">
+              <a14:hiddenFill xmlns:a14="http://schemas.microsoft.com/office/drawing/2010/main" xmlns="">
                 <a:solidFill>
                   <a:srgbClr val="FFFFFF"/>
                 </a:solidFill>
@@ -6046,7 +6046,7 @@
         </p:nvSpPr>
         <p:spPr>
           <a:xfrm>
-            <a:off x="21455642" y="20128022"/>
+            <a:off x="19721939" y="20082629"/>
             <a:ext cx="9400380" cy="507831"/>
           </a:xfrm>
           <a:prstGeom prst="rect">
@@ -6060,10 +6060,9 @@
           </a:bodyPr>
           <a:lstStyle/>
           <a:p>
-            <a:pPr algn="ctr"/>
             <a:r>
               <a:rPr lang="en-US" sz="2700" dirty="0"/>
-              <a:t>Architecture Comparison</a:t>
+              <a:t>Architecture Comparison:</a:t>
             </a:r>
           </a:p>
         </p:txBody>
